--- a/Apresentação.pptx
+++ b/Apresentação.pptx
@@ -5,7 +5,7 @@
     <p:sldMasterId id="2147483780" r:id="rId1"/>
   </p:sldMasterIdLst>
   <p:notesMasterIdLst>
-    <p:notesMasterId r:id="rId14"/>
+    <p:notesMasterId r:id="rId17"/>
   </p:notesMasterIdLst>
   <p:sldIdLst>
     <p:sldId id="256" r:id="rId2"/>
@@ -17,9 +17,12 @@
     <p:sldId id="267" r:id="rId8"/>
     <p:sldId id="269" r:id="rId9"/>
     <p:sldId id="270" r:id="rId10"/>
-    <p:sldId id="271" r:id="rId11"/>
-    <p:sldId id="268" r:id="rId12"/>
-    <p:sldId id="274" r:id="rId13"/>
+    <p:sldId id="276" r:id="rId11"/>
+    <p:sldId id="275" r:id="rId12"/>
+    <p:sldId id="277" r:id="rId13"/>
+    <p:sldId id="279" r:id="rId14"/>
+    <p:sldId id="280" r:id="rId15"/>
+    <p:sldId id="274" r:id="rId16"/>
   </p:sldIdLst>
   <p:sldSz cx="9144000" cy="6858000" type="screen4x3"/>
   <p:notesSz cx="6858000" cy="9144000"/>
@@ -121,2361 +124,6 @@
 </p:presentation>
 </file>
 
-<file path=ppt/diagrams/colors1.xml><?xml version="1.0" encoding="utf-8"?>
-<dgm:colorsDef xmlns:dgm="http://schemas.openxmlformats.org/drawingml/2006/diagram" xmlns:a="http://schemas.openxmlformats.org/drawingml/2006/main" uniqueId="urn:microsoft.com/office/officeart/2005/8/colors/accent1_2">
-  <dgm:title val=""/>
-  <dgm:desc val=""/>
-  <dgm:catLst>
-    <dgm:cat type="accent1" pri="11200"/>
-  </dgm:catLst>
-  <dgm:styleLbl name="node0">
-    <dgm:fillClrLst meth="repeat">
-      <a:schemeClr val="accent1"/>
-    </dgm:fillClrLst>
-    <dgm:linClrLst meth="repeat">
-      <a:schemeClr val="lt1"/>
-    </dgm:linClrLst>
-    <dgm:effectClrLst/>
-    <dgm:txLinClrLst/>
-    <dgm:txFillClrLst/>
-    <dgm:txEffectClrLst/>
-  </dgm:styleLbl>
-  <dgm:styleLbl name="alignNode1">
-    <dgm:fillClrLst meth="repeat">
-      <a:schemeClr val="accent1"/>
-    </dgm:fillClrLst>
-    <dgm:linClrLst meth="repeat">
-      <a:schemeClr val="accent1"/>
-    </dgm:linClrLst>
-    <dgm:effectClrLst/>
-    <dgm:txLinClrLst/>
-    <dgm:txFillClrLst/>
-    <dgm:txEffectClrLst/>
-  </dgm:styleLbl>
-  <dgm:styleLbl name="node1">
-    <dgm:fillClrLst meth="repeat">
-      <a:schemeClr val="accent1"/>
-    </dgm:fillClrLst>
-    <dgm:linClrLst meth="repeat">
-      <a:schemeClr val="lt1"/>
-    </dgm:linClrLst>
-    <dgm:effectClrLst/>
-    <dgm:txLinClrLst/>
-    <dgm:txFillClrLst/>
-    <dgm:txEffectClrLst/>
-  </dgm:styleLbl>
-  <dgm:styleLbl name="lnNode1">
-    <dgm:fillClrLst meth="repeat">
-      <a:schemeClr val="accent1"/>
-    </dgm:fillClrLst>
-    <dgm:linClrLst meth="repeat">
-      <a:schemeClr val="lt1"/>
-    </dgm:linClrLst>
-    <dgm:effectClrLst/>
-    <dgm:txLinClrLst/>
-    <dgm:txFillClrLst/>
-    <dgm:txEffectClrLst/>
-  </dgm:styleLbl>
-  <dgm:styleLbl name="vennNode1">
-    <dgm:fillClrLst meth="repeat">
-      <a:schemeClr val="accent1">
-        <a:alpha val="50000"/>
-      </a:schemeClr>
-    </dgm:fillClrLst>
-    <dgm:linClrLst meth="repeat">
-      <a:schemeClr val="lt1"/>
-    </dgm:linClrLst>
-    <dgm:effectClrLst/>
-    <dgm:txLinClrLst/>
-    <dgm:txFillClrLst/>
-    <dgm:txEffectClrLst/>
-  </dgm:styleLbl>
-  <dgm:styleLbl name="node2">
-    <dgm:fillClrLst meth="repeat">
-      <a:schemeClr val="accent1"/>
-    </dgm:fillClrLst>
-    <dgm:linClrLst meth="repeat">
-      <a:schemeClr val="lt1"/>
-    </dgm:linClrLst>
-    <dgm:effectClrLst/>
-    <dgm:txLinClrLst/>
-    <dgm:txFillClrLst/>
-    <dgm:txEffectClrLst/>
-  </dgm:styleLbl>
-  <dgm:styleLbl name="node3">
-    <dgm:fillClrLst meth="repeat">
-      <a:schemeClr val="accent1"/>
-    </dgm:fillClrLst>
-    <dgm:linClrLst meth="repeat">
-      <a:schemeClr val="lt1"/>
-    </dgm:linClrLst>
-    <dgm:effectClrLst/>
-    <dgm:txLinClrLst/>
-    <dgm:txFillClrLst/>
-    <dgm:txEffectClrLst/>
-  </dgm:styleLbl>
-  <dgm:styleLbl name="node4">
-    <dgm:fillClrLst meth="repeat">
-      <a:schemeClr val="accent1"/>
-    </dgm:fillClrLst>
-    <dgm:linClrLst meth="repeat">
-      <a:schemeClr val="lt1"/>
-    </dgm:linClrLst>
-    <dgm:effectClrLst/>
-    <dgm:txLinClrLst/>
-    <dgm:txFillClrLst/>
-    <dgm:txEffectClrLst/>
-  </dgm:styleLbl>
-  <dgm:styleLbl name="fgImgPlace1">
-    <dgm:fillClrLst meth="repeat">
-      <a:schemeClr val="accent1">
-        <a:tint val="50000"/>
-      </a:schemeClr>
-    </dgm:fillClrLst>
-    <dgm:linClrLst meth="repeat">
-      <a:schemeClr val="lt1"/>
-    </dgm:linClrLst>
-    <dgm:effectClrLst/>
-    <dgm:txLinClrLst/>
-    <dgm:txFillClrLst meth="repeat">
-      <a:schemeClr val="lt1"/>
-    </dgm:txFillClrLst>
-    <dgm:txEffectClrLst/>
-  </dgm:styleLbl>
-  <dgm:styleLbl name="alignImgPlace1">
-    <dgm:fillClrLst meth="repeat">
-      <a:schemeClr val="accent1">
-        <a:tint val="50000"/>
-      </a:schemeClr>
-    </dgm:fillClrLst>
-    <dgm:linClrLst meth="repeat">
-      <a:schemeClr val="lt1"/>
-    </dgm:linClrLst>
-    <dgm:effectClrLst/>
-    <dgm:txLinClrLst/>
-    <dgm:txFillClrLst meth="repeat">
-      <a:schemeClr val="lt1"/>
-    </dgm:txFillClrLst>
-    <dgm:txEffectClrLst/>
-  </dgm:styleLbl>
-  <dgm:styleLbl name="bgImgPlace1">
-    <dgm:fillClrLst meth="repeat">
-      <a:schemeClr val="accent1">
-        <a:tint val="50000"/>
-      </a:schemeClr>
-    </dgm:fillClrLst>
-    <dgm:linClrLst meth="repeat">
-      <a:schemeClr val="lt1"/>
-    </dgm:linClrLst>
-    <dgm:effectClrLst/>
-    <dgm:txLinClrLst/>
-    <dgm:txFillClrLst meth="repeat">
-      <a:schemeClr val="lt1"/>
-    </dgm:txFillClrLst>
-    <dgm:txEffectClrLst/>
-  </dgm:styleLbl>
-  <dgm:styleLbl name="sibTrans2D1">
-    <dgm:fillClrLst meth="repeat">
-      <a:schemeClr val="accent1">
-        <a:tint val="60000"/>
-      </a:schemeClr>
-    </dgm:fillClrLst>
-    <dgm:linClrLst meth="repeat">
-      <a:schemeClr val="accent1">
-        <a:tint val="60000"/>
-      </a:schemeClr>
-    </dgm:linClrLst>
-    <dgm:effectClrLst/>
-    <dgm:txLinClrLst/>
-    <dgm:txFillClrLst/>
-    <dgm:txEffectClrLst/>
-  </dgm:styleLbl>
-  <dgm:styleLbl name="fgSibTrans2D1">
-    <dgm:fillClrLst meth="repeat">
-      <a:schemeClr val="accent1">
-        <a:tint val="60000"/>
-      </a:schemeClr>
-    </dgm:fillClrLst>
-    <dgm:linClrLst meth="repeat">
-      <a:schemeClr val="accent1">
-        <a:tint val="60000"/>
-      </a:schemeClr>
-    </dgm:linClrLst>
-    <dgm:effectClrLst/>
-    <dgm:txLinClrLst/>
-    <dgm:txFillClrLst/>
-    <dgm:txEffectClrLst/>
-  </dgm:styleLbl>
-  <dgm:styleLbl name="bgSibTrans2D1">
-    <dgm:fillClrLst meth="repeat">
-      <a:schemeClr val="accent1">
-        <a:tint val="60000"/>
-      </a:schemeClr>
-    </dgm:fillClrLst>
-    <dgm:linClrLst meth="repeat">
-      <a:schemeClr val="accent1">
-        <a:tint val="60000"/>
-      </a:schemeClr>
-    </dgm:linClrLst>
-    <dgm:effectClrLst/>
-    <dgm:txLinClrLst/>
-    <dgm:txFillClrLst/>
-    <dgm:txEffectClrLst/>
-  </dgm:styleLbl>
-  <dgm:styleLbl name="sibTrans1D1">
-    <dgm:fillClrLst meth="repeat">
-      <a:schemeClr val="accent1"/>
-    </dgm:fillClrLst>
-    <dgm:linClrLst meth="repeat">
-      <a:schemeClr val="accent1"/>
-    </dgm:linClrLst>
-    <dgm:effectClrLst/>
-    <dgm:txLinClrLst/>
-    <dgm:txFillClrLst meth="repeat">
-      <a:schemeClr val="tx1"/>
-    </dgm:txFillClrLst>
-    <dgm:txEffectClrLst/>
-  </dgm:styleLbl>
-  <dgm:styleLbl name="callout">
-    <dgm:fillClrLst meth="repeat">
-      <a:schemeClr val="accent1"/>
-    </dgm:fillClrLst>
-    <dgm:linClrLst meth="repeat">
-      <a:schemeClr val="accent1">
-        <a:tint val="50000"/>
-      </a:schemeClr>
-    </dgm:linClrLst>
-    <dgm:effectClrLst/>
-    <dgm:txLinClrLst/>
-    <dgm:txFillClrLst meth="repeat">
-      <a:schemeClr val="tx1"/>
-    </dgm:txFillClrLst>
-    <dgm:txEffectClrLst/>
-  </dgm:styleLbl>
-  <dgm:styleLbl name="asst0">
-    <dgm:fillClrLst meth="repeat">
-      <a:schemeClr val="accent1"/>
-    </dgm:fillClrLst>
-    <dgm:linClrLst meth="repeat">
-      <a:schemeClr val="lt1"/>
-    </dgm:linClrLst>
-    <dgm:effectClrLst/>
-    <dgm:txLinClrLst/>
-    <dgm:txFillClrLst/>
-    <dgm:txEffectClrLst/>
-  </dgm:styleLbl>
-  <dgm:styleLbl name="asst1">
-    <dgm:fillClrLst meth="repeat">
-      <a:schemeClr val="accent1"/>
-    </dgm:fillClrLst>
-    <dgm:linClrLst meth="repeat">
-      <a:schemeClr val="lt1"/>
-    </dgm:linClrLst>
-    <dgm:effectClrLst/>
-    <dgm:txLinClrLst/>
-    <dgm:txFillClrLst/>
-    <dgm:txEffectClrLst/>
-  </dgm:styleLbl>
-  <dgm:styleLbl name="asst2">
-    <dgm:fillClrLst meth="repeat">
-      <a:schemeClr val="accent1"/>
-    </dgm:fillClrLst>
-    <dgm:linClrLst meth="repeat">
-      <a:schemeClr val="lt1"/>
-    </dgm:linClrLst>
-    <dgm:effectClrLst/>
-    <dgm:txLinClrLst/>
-    <dgm:txFillClrLst/>
-    <dgm:txEffectClrLst/>
-  </dgm:styleLbl>
-  <dgm:styleLbl name="asst3">
-    <dgm:fillClrLst meth="repeat">
-      <a:schemeClr val="accent1"/>
-    </dgm:fillClrLst>
-    <dgm:linClrLst meth="repeat">
-      <a:schemeClr val="lt1"/>
-    </dgm:linClrLst>
-    <dgm:effectClrLst/>
-    <dgm:txLinClrLst/>
-    <dgm:txFillClrLst/>
-    <dgm:txEffectClrLst/>
-  </dgm:styleLbl>
-  <dgm:styleLbl name="asst4">
-    <dgm:fillClrLst meth="repeat">
-      <a:schemeClr val="accent1"/>
-    </dgm:fillClrLst>
-    <dgm:linClrLst meth="repeat">
-      <a:schemeClr val="lt1"/>
-    </dgm:linClrLst>
-    <dgm:effectClrLst/>
-    <dgm:txLinClrLst/>
-    <dgm:txFillClrLst/>
-    <dgm:txEffectClrLst/>
-  </dgm:styleLbl>
-  <dgm:styleLbl name="parChTrans2D1">
-    <dgm:fillClrLst meth="repeat">
-      <a:schemeClr val="accent1">
-        <a:tint val="60000"/>
-      </a:schemeClr>
-    </dgm:fillClrLst>
-    <dgm:linClrLst meth="repeat">
-      <a:schemeClr val="accent1">
-        <a:tint val="60000"/>
-      </a:schemeClr>
-    </dgm:linClrLst>
-    <dgm:effectClrLst/>
-    <dgm:txLinClrLst/>
-    <dgm:txFillClrLst meth="repeat">
-      <a:schemeClr val="lt1"/>
-    </dgm:txFillClrLst>
-    <dgm:txEffectClrLst/>
-  </dgm:styleLbl>
-  <dgm:styleLbl name="parChTrans2D2">
-    <dgm:fillClrLst meth="repeat">
-      <a:schemeClr val="accent1"/>
-    </dgm:fillClrLst>
-    <dgm:linClrLst meth="repeat">
-      <a:schemeClr val="accent1"/>
-    </dgm:linClrLst>
-    <dgm:effectClrLst/>
-    <dgm:txLinClrLst/>
-    <dgm:txFillClrLst meth="repeat">
-      <a:schemeClr val="lt1"/>
-    </dgm:txFillClrLst>
-    <dgm:txEffectClrLst/>
-  </dgm:styleLbl>
-  <dgm:styleLbl name="parChTrans2D3">
-    <dgm:fillClrLst meth="repeat">
-      <a:schemeClr val="accent1"/>
-    </dgm:fillClrLst>
-    <dgm:linClrLst meth="repeat">
-      <a:schemeClr val="accent1"/>
-    </dgm:linClrLst>
-    <dgm:effectClrLst/>
-    <dgm:txLinClrLst/>
-    <dgm:txFillClrLst meth="repeat">
-      <a:schemeClr val="lt1"/>
-    </dgm:txFillClrLst>
-    <dgm:txEffectClrLst/>
-  </dgm:styleLbl>
-  <dgm:styleLbl name="parChTrans2D4">
-    <dgm:fillClrLst meth="repeat">
-      <a:schemeClr val="accent1"/>
-    </dgm:fillClrLst>
-    <dgm:linClrLst meth="repeat">
-      <a:schemeClr val="accent1"/>
-    </dgm:linClrLst>
-    <dgm:effectClrLst/>
-    <dgm:txLinClrLst/>
-    <dgm:txFillClrLst meth="repeat">
-      <a:schemeClr val="lt1"/>
-    </dgm:txFillClrLst>
-    <dgm:txEffectClrLst/>
-  </dgm:styleLbl>
-  <dgm:styleLbl name="parChTrans1D1">
-    <dgm:fillClrLst meth="repeat">
-      <a:schemeClr val="accent1"/>
-    </dgm:fillClrLst>
-    <dgm:linClrLst meth="repeat">
-      <a:schemeClr val="accent1">
-        <a:shade val="60000"/>
-      </a:schemeClr>
-    </dgm:linClrLst>
-    <dgm:effectClrLst/>
-    <dgm:txLinClrLst/>
-    <dgm:txFillClrLst meth="repeat">
-      <a:schemeClr val="tx1"/>
-    </dgm:txFillClrLst>
-    <dgm:txEffectClrLst/>
-  </dgm:styleLbl>
-  <dgm:styleLbl name="parChTrans1D2">
-    <dgm:fillClrLst meth="repeat">
-      <a:schemeClr val="accent1"/>
-    </dgm:fillClrLst>
-    <dgm:linClrLst meth="repeat">
-      <a:schemeClr val="accent1">
-        <a:shade val="60000"/>
-      </a:schemeClr>
-    </dgm:linClrLst>
-    <dgm:effectClrLst/>
-    <dgm:txLinClrLst/>
-    <dgm:txFillClrLst meth="repeat">
-      <a:schemeClr val="tx1"/>
-    </dgm:txFillClrLst>
-    <dgm:txEffectClrLst/>
-  </dgm:styleLbl>
-  <dgm:styleLbl name="parChTrans1D3">
-    <dgm:fillClrLst meth="repeat">
-      <a:schemeClr val="accent1"/>
-    </dgm:fillClrLst>
-    <dgm:linClrLst meth="repeat">
-      <a:schemeClr val="accent1">
-        <a:shade val="80000"/>
-      </a:schemeClr>
-    </dgm:linClrLst>
-    <dgm:effectClrLst/>
-    <dgm:txLinClrLst/>
-    <dgm:txFillClrLst meth="repeat">
-      <a:schemeClr val="tx1"/>
-    </dgm:txFillClrLst>
-    <dgm:txEffectClrLst/>
-  </dgm:styleLbl>
-  <dgm:styleLbl name="parChTrans1D4">
-    <dgm:fillClrLst meth="repeat">
-      <a:schemeClr val="accent1"/>
-    </dgm:fillClrLst>
-    <dgm:linClrLst meth="repeat">
-      <a:schemeClr val="accent1">
-        <a:shade val="80000"/>
-      </a:schemeClr>
-    </dgm:linClrLst>
-    <dgm:effectClrLst/>
-    <dgm:txLinClrLst/>
-    <dgm:txFillClrLst meth="repeat">
-      <a:schemeClr val="tx1"/>
-    </dgm:txFillClrLst>
-    <dgm:txEffectClrLst/>
-  </dgm:styleLbl>
-  <dgm:styleLbl name="fgAcc1">
-    <dgm:fillClrLst meth="repeat">
-      <a:schemeClr val="lt1">
-        <a:alpha val="90000"/>
-      </a:schemeClr>
-    </dgm:fillClrLst>
-    <dgm:linClrLst meth="repeat">
-      <a:schemeClr val="accent1"/>
-    </dgm:linClrLst>
-    <dgm:effectClrLst/>
-    <dgm:txLinClrLst/>
-    <dgm:txFillClrLst meth="repeat">
-      <a:schemeClr val="dk1"/>
-    </dgm:txFillClrLst>
-    <dgm:txEffectClrLst/>
-  </dgm:styleLbl>
-  <dgm:styleLbl name="conFgAcc1">
-    <dgm:fillClrLst meth="repeat">
-      <a:schemeClr val="lt1">
-        <a:alpha val="90000"/>
-      </a:schemeClr>
-    </dgm:fillClrLst>
-    <dgm:linClrLst meth="repeat">
-      <a:schemeClr val="accent1"/>
-    </dgm:linClrLst>
-    <dgm:effectClrLst/>
-    <dgm:txLinClrLst/>
-    <dgm:txFillClrLst meth="repeat">
-      <a:schemeClr val="dk1"/>
-    </dgm:txFillClrLst>
-    <dgm:txEffectClrLst/>
-  </dgm:styleLbl>
-  <dgm:styleLbl name="alignAcc1">
-    <dgm:fillClrLst meth="repeat">
-      <a:schemeClr val="lt1">
-        <a:alpha val="90000"/>
-      </a:schemeClr>
-    </dgm:fillClrLst>
-    <dgm:linClrLst meth="repeat">
-      <a:schemeClr val="accent1"/>
-    </dgm:linClrLst>
-    <dgm:effectClrLst/>
-    <dgm:txLinClrLst/>
-    <dgm:txFillClrLst meth="repeat">
-      <a:schemeClr val="dk1"/>
-    </dgm:txFillClrLst>
-    <dgm:txEffectClrLst/>
-  </dgm:styleLbl>
-  <dgm:styleLbl name="trAlignAcc1">
-    <dgm:fillClrLst meth="repeat">
-      <a:schemeClr val="lt1">
-        <a:alpha val="40000"/>
-      </a:schemeClr>
-    </dgm:fillClrLst>
-    <dgm:linClrLst meth="repeat">
-      <a:schemeClr val="accent1"/>
-    </dgm:linClrLst>
-    <dgm:effectClrLst/>
-    <dgm:txLinClrLst/>
-    <dgm:txFillClrLst meth="repeat">
-      <a:schemeClr val="dk1"/>
-    </dgm:txFillClrLst>
-    <dgm:txEffectClrLst/>
-  </dgm:styleLbl>
-  <dgm:styleLbl name="bgAcc1">
-    <dgm:fillClrLst meth="repeat">
-      <a:schemeClr val="lt1">
-        <a:alpha val="90000"/>
-      </a:schemeClr>
-    </dgm:fillClrLst>
-    <dgm:linClrLst meth="repeat">
-      <a:schemeClr val="accent1"/>
-    </dgm:linClrLst>
-    <dgm:effectClrLst/>
-    <dgm:txLinClrLst/>
-    <dgm:txFillClrLst meth="repeat">
-      <a:schemeClr val="dk1"/>
-    </dgm:txFillClrLst>
-    <dgm:txEffectClrLst/>
-  </dgm:styleLbl>
-  <dgm:styleLbl name="solidFgAcc1">
-    <dgm:fillClrLst meth="repeat">
-      <a:schemeClr val="lt1"/>
-    </dgm:fillClrLst>
-    <dgm:linClrLst meth="repeat">
-      <a:schemeClr val="accent1"/>
-    </dgm:linClrLst>
-    <dgm:effectClrLst/>
-    <dgm:txLinClrLst/>
-    <dgm:txFillClrLst meth="repeat">
-      <a:schemeClr val="dk1"/>
-    </dgm:txFillClrLst>
-    <dgm:txEffectClrLst/>
-  </dgm:styleLbl>
-  <dgm:styleLbl name="solidAlignAcc1">
-    <dgm:fillClrLst meth="repeat">
-      <a:schemeClr val="lt1"/>
-    </dgm:fillClrLst>
-    <dgm:linClrLst meth="repeat">
-      <a:schemeClr val="accent1"/>
-    </dgm:linClrLst>
-    <dgm:effectClrLst/>
-    <dgm:txLinClrLst/>
-    <dgm:txFillClrLst meth="repeat">
-      <a:schemeClr val="dk1"/>
-    </dgm:txFillClrLst>
-    <dgm:txEffectClrLst/>
-  </dgm:styleLbl>
-  <dgm:styleLbl name="solidBgAcc1">
-    <dgm:fillClrLst meth="repeat">
-      <a:schemeClr val="lt1"/>
-    </dgm:fillClrLst>
-    <dgm:linClrLst meth="repeat">
-      <a:schemeClr val="accent1"/>
-    </dgm:linClrLst>
-    <dgm:effectClrLst/>
-    <dgm:txLinClrLst/>
-    <dgm:txFillClrLst meth="repeat">
-      <a:schemeClr val="dk1"/>
-    </dgm:txFillClrLst>
-    <dgm:txEffectClrLst/>
-  </dgm:styleLbl>
-  <dgm:styleLbl name="fgAccFollowNode1">
-    <dgm:fillClrLst meth="repeat">
-      <a:schemeClr val="accent1">
-        <a:alpha val="90000"/>
-        <a:tint val="40000"/>
-      </a:schemeClr>
-    </dgm:fillClrLst>
-    <dgm:linClrLst meth="repeat">
-      <a:schemeClr val="accent1">
-        <a:alpha val="90000"/>
-        <a:tint val="40000"/>
-      </a:schemeClr>
-    </dgm:linClrLst>
-    <dgm:effectClrLst/>
-    <dgm:txLinClrLst/>
-    <dgm:txFillClrLst meth="repeat">
-      <a:schemeClr val="dk1"/>
-    </dgm:txFillClrLst>
-    <dgm:txEffectClrLst/>
-  </dgm:styleLbl>
-  <dgm:styleLbl name="alignAccFollowNode1">
-    <dgm:fillClrLst meth="repeat">
-      <a:schemeClr val="accent1">
-        <a:alpha val="90000"/>
-        <a:tint val="40000"/>
-      </a:schemeClr>
-    </dgm:fillClrLst>
-    <dgm:linClrLst meth="repeat">
-      <a:schemeClr val="accent1">
-        <a:alpha val="90000"/>
-        <a:tint val="40000"/>
-      </a:schemeClr>
-    </dgm:linClrLst>
-    <dgm:effectClrLst/>
-    <dgm:txLinClrLst/>
-    <dgm:txFillClrLst meth="repeat">
-      <a:schemeClr val="dk1"/>
-    </dgm:txFillClrLst>
-    <dgm:txEffectClrLst/>
-  </dgm:styleLbl>
-  <dgm:styleLbl name="bgAccFollowNode1">
-    <dgm:fillClrLst meth="repeat">
-      <a:schemeClr val="accent1">
-        <a:alpha val="90000"/>
-        <a:tint val="40000"/>
-      </a:schemeClr>
-    </dgm:fillClrLst>
-    <dgm:linClrLst meth="repeat">
-      <a:schemeClr val="accent1">
-        <a:alpha val="90000"/>
-        <a:tint val="40000"/>
-      </a:schemeClr>
-    </dgm:linClrLst>
-    <dgm:effectClrLst/>
-    <dgm:txLinClrLst/>
-    <dgm:txFillClrLst meth="repeat">
-      <a:schemeClr val="dk1"/>
-    </dgm:txFillClrLst>
-    <dgm:txEffectClrLst/>
-  </dgm:styleLbl>
-  <dgm:styleLbl name="fgAcc0">
-    <dgm:fillClrLst meth="repeat">
-      <a:schemeClr val="lt1">
-        <a:alpha val="90000"/>
-      </a:schemeClr>
-    </dgm:fillClrLst>
-    <dgm:linClrLst meth="repeat">
-      <a:schemeClr val="accent1"/>
-    </dgm:linClrLst>
-    <dgm:effectClrLst/>
-    <dgm:txLinClrLst/>
-    <dgm:txFillClrLst meth="repeat">
-      <a:schemeClr val="dk1"/>
-    </dgm:txFillClrLst>
-    <dgm:txEffectClrLst/>
-  </dgm:styleLbl>
-  <dgm:styleLbl name="fgAcc2">
-    <dgm:fillClrLst meth="repeat">
-      <a:schemeClr val="lt1">
-        <a:alpha val="90000"/>
-      </a:schemeClr>
-    </dgm:fillClrLst>
-    <dgm:linClrLst meth="repeat">
-      <a:schemeClr val="accent1"/>
-    </dgm:linClrLst>
-    <dgm:effectClrLst/>
-    <dgm:txLinClrLst/>
-    <dgm:txFillClrLst meth="repeat">
-      <a:schemeClr val="dk1"/>
-    </dgm:txFillClrLst>
-    <dgm:txEffectClrLst/>
-  </dgm:styleLbl>
-  <dgm:styleLbl name="fgAcc3">
-    <dgm:fillClrLst meth="repeat">
-      <a:schemeClr val="lt1">
-        <a:alpha val="90000"/>
-      </a:schemeClr>
-    </dgm:fillClrLst>
-    <dgm:linClrLst meth="repeat">
-      <a:schemeClr val="accent1"/>
-    </dgm:linClrLst>
-    <dgm:effectClrLst/>
-    <dgm:txLinClrLst/>
-    <dgm:txFillClrLst meth="repeat">
-      <a:schemeClr val="dk1"/>
-    </dgm:txFillClrLst>
-    <dgm:txEffectClrLst/>
-  </dgm:styleLbl>
-  <dgm:styleLbl name="fgAcc4">
-    <dgm:fillClrLst meth="repeat">
-      <a:schemeClr val="lt1">
-        <a:alpha val="90000"/>
-      </a:schemeClr>
-    </dgm:fillClrLst>
-    <dgm:linClrLst meth="repeat">
-      <a:schemeClr val="accent1"/>
-    </dgm:linClrLst>
-    <dgm:effectClrLst/>
-    <dgm:txLinClrLst/>
-    <dgm:txFillClrLst meth="repeat">
-      <a:schemeClr val="dk1"/>
-    </dgm:txFillClrLst>
-    <dgm:txEffectClrLst/>
-  </dgm:styleLbl>
-  <dgm:styleLbl name="bgShp">
-    <dgm:fillClrLst meth="repeat">
-      <a:schemeClr val="accent1">
-        <a:tint val="40000"/>
-      </a:schemeClr>
-    </dgm:fillClrLst>
-    <dgm:linClrLst meth="repeat">
-      <a:schemeClr val="accent1"/>
-    </dgm:linClrLst>
-    <dgm:effectClrLst/>
-    <dgm:txLinClrLst/>
-    <dgm:txFillClrLst meth="repeat">
-      <a:schemeClr val="dk1"/>
-    </dgm:txFillClrLst>
-    <dgm:txEffectClrLst/>
-  </dgm:styleLbl>
-  <dgm:styleLbl name="dkBgShp">
-    <dgm:fillClrLst meth="repeat">
-      <a:schemeClr val="accent1">
-        <a:shade val="80000"/>
-      </a:schemeClr>
-    </dgm:fillClrLst>
-    <dgm:linClrLst meth="repeat">
-      <a:schemeClr val="accent1"/>
-    </dgm:linClrLst>
-    <dgm:effectClrLst/>
-    <dgm:txLinClrLst/>
-    <dgm:txFillClrLst meth="repeat">
-      <a:schemeClr val="lt1"/>
-    </dgm:txFillClrLst>
-    <dgm:txEffectClrLst/>
-  </dgm:styleLbl>
-  <dgm:styleLbl name="trBgShp">
-    <dgm:fillClrLst meth="repeat">
-      <a:schemeClr val="accent1">
-        <a:tint val="50000"/>
-        <a:alpha val="40000"/>
-      </a:schemeClr>
-    </dgm:fillClrLst>
-    <dgm:linClrLst meth="repeat">
-      <a:schemeClr val="accent1"/>
-    </dgm:linClrLst>
-    <dgm:effectClrLst/>
-    <dgm:txLinClrLst/>
-    <dgm:txFillClrLst meth="repeat">
-      <a:schemeClr val="lt1"/>
-    </dgm:txFillClrLst>
-    <dgm:txEffectClrLst/>
-  </dgm:styleLbl>
-  <dgm:styleLbl name="fgShp">
-    <dgm:fillClrLst meth="repeat">
-      <a:schemeClr val="accent1">
-        <a:tint val="60000"/>
-      </a:schemeClr>
-    </dgm:fillClrLst>
-    <dgm:linClrLst meth="repeat">
-      <a:schemeClr val="lt1"/>
-    </dgm:linClrLst>
-    <dgm:effectClrLst/>
-    <dgm:txLinClrLst/>
-    <dgm:txFillClrLst meth="repeat">
-      <a:schemeClr val="dk1"/>
-    </dgm:txFillClrLst>
-    <dgm:txEffectClrLst/>
-  </dgm:styleLbl>
-  <dgm:styleLbl name="revTx">
-    <dgm:fillClrLst meth="repeat">
-      <a:schemeClr val="lt1">
-        <a:alpha val="0"/>
-      </a:schemeClr>
-    </dgm:fillClrLst>
-    <dgm:linClrLst meth="repeat">
-      <a:schemeClr val="dk1">
-        <a:alpha val="0"/>
-      </a:schemeClr>
-    </dgm:linClrLst>
-    <dgm:effectClrLst/>
-    <dgm:txLinClrLst/>
-    <dgm:txFillClrLst meth="repeat">
-      <a:schemeClr val="tx1"/>
-    </dgm:txFillClrLst>
-    <dgm:txEffectClrLst/>
-  </dgm:styleLbl>
-</dgm:colorsDef>
-</file>
-
-<file path=ppt/diagrams/data1.xml><?xml version="1.0" encoding="utf-8"?>
-<dgm:dataModel xmlns:dgm="http://schemas.openxmlformats.org/drawingml/2006/diagram" xmlns:a="http://schemas.openxmlformats.org/drawingml/2006/main">
-  <dgm:ptLst>
-    <dgm:pt modelId="{71DB5A0F-D188-44E2-94E6-0339E546899D}" type="doc">
-      <dgm:prSet loTypeId="urn:microsoft.com/office/officeart/2005/8/layout/hProcess3" loCatId="process" qsTypeId="urn:microsoft.com/office/officeart/2005/8/quickstyle/simple1" qsCatId="simple" csTypeId="urn:microsoft.com/office/officeart/2005/8/colors/accent1_2" csCatId="accent1" phldr="1"/>
-      <dgm:spPr/>
-    </dgm:pt>
-    <dgm:pt modelId="{17F5A741-2E67-4519-B2DD-937ADEA05D44}">
-      <dgm:prSet/>
-      <dgm:spPr/>
-      <dgm:t>
-        <a:bodyPr/>
-        <a:lstStyle/>
-        <a:p>
-          <a:r>
-            <a:rPr lang="pt-PT" dirty="0" smtClean="0"/>
-            <a:t>Escrita do relatório</a:t>
-          </a:r>
-          <a:endParaRPr lang="pt-PT" dirty="0"/>
-        </a:p>
-      </dgm:t>
-    </dgm:pt>
-    <dgm:pt modelId="{FCF04371-52C7-4F71-86FC-41101BE2B3AE}" type="parTrans" cxnId="{BE8B57D3-A605-447E-9DDE-BE36590233F2}">
-      <dgm:prSet/>
-      <dgm:spPr/>
-      <dgm:t>
-        <a:bodyPr/>
-        <a:lstStyle/>
-        <a:p>
-          <a:endParaRPr lang="pt-PT"/>
-        </a:p>
-      </dgm:t>
-    </dgm:pt>
-    <dgm:pt modelId="{11C77F18-1A5E-43ED-BEF4-C4D403647581}" type="sibTrans" cxnId="{BE8B57D3-A605-447E-9DDE-BE36590233F2}">
-      <dgm:prSet/>
-      <dgm:spPr/>
-      <dgm:t>
-        <a:bodyPr/>
-        <a:lstStyle/>
-        <a:p>
-          <a:endParaRPr lang="pt-PT"/>
-        </a:p>
-      </dgm:t>
-    </dgm:pt>
-    <dgm:pt modelId="{7AB4FF65-0D28-404A-B543-6D66FD8B95D5}" type="pres">
-      <dgm:prSet presAssocID="{71DB5A0F-D188-44E2-94E6-0339E546899D}" presName="Name0" presStyleCnt="0">
-        <dgm:presLayoutVars>
-          <dgm:dir/>
-          <dgm:animLvl val="lvl"/>
-          <dgm:resizeHandles val="exact"/>
-        </dgm:presLayoutVars>
-      </dgm:prSet>
-      <dgm:spPr/>
-    </dgm:pt>
-    <dgm:pt modelId="{2D1550AA-BF6A-474A-B20D-E0A1ED2F55BB}" type="pres">
-      <dgm:prSet presAssocID="{71DB5A0F-D188-44E2-94E6-0339E546899D}" presName="dummy" presStyleCnt="0"/>
-      <dgm:spPr/>
-    </dgm:pt>
-    <dgm:pt modelId="{673098B3-3380-4707-B929-C820BDF071D9}" type="pres">
-      <dgm:prSet presAssocID="{71DB5A0F-D188-44E2-94E6-0339E546899D}" presName="linH" presStyleCnt="0"/>
-      <dgm:spPr/>
-    </dgm:pt>
-    <dgm:pt modelId="{F9ED58EF-C49D-4267-B089-FBC4EEC5F3B1}" type="pres">
-      <dgm:prSet presAssocID="{71DB5A0F-D188-44E2-94E6-0339E546899D}" presName="padding1" presStyleCnt="0"/>
-      <dgm:spPr/>
-    </dgm:pt>
-    <dgm:pt modelId="{719493BB-E841-43E0-82D3-764B892BD400}" type="pres">
-      <dgm:prSet presAssocID="{17F5A741-2E67-4519-B2DD-937ADEA05D44}" presName="linV" presStyleCnt="0"/>
-      <dgm:spPr/>
-    </dgm:pt>
-    <dgm:pt modelId="{28F99037-5AC4-4B1D-8B54-2B8395D2F976}" type="pres">
-      <dgm:prSet presAssocID="{17F5A741-2E67-4519-B2DD-937ADEA05D44}" presName="spVertical1" presStyleCnt="0"/>
-      <dgm:spPr/>
-    </dgm:pt>
-    <dgm:pt modelId="{9A2D6D76-92FA-49ED-A93C-51A3709CE611}" type="pres">
-      <dgm:prSet presAssocID="{17F5A741-2E67-4519-B2DD-937ADEA05D44}" presName="parTx" presStyleLbl="revTx" presStyleIdx="0" presStyleCnt="1" custAng="5400000">
-        <dgm:presLayoutVars>
-          <dgm:chMax val="0"/>
-          <dgm:chPref val="0"/>
-          <dgm:bulletEnabled val="1"/>
-        </dgm:presLayoutVars>
-      </dgm:prSet>
-      <dgm:spPr/>
-      <dgm:t>
-        <a:bodyPr/>
-        <a:lstStyle/>
-        <a:p>
-          <a:endParaRPr lang="pt-PT"/>
-        </a:p>
-      </dgm:t>
-    </dgm:pt>
-    <dgm:pt modelId="{8B78DBCF-4EE7-488A-ACB6-0C374233F727}" type="pres">
-      <dgm:prSet presAssocID="{17F5A741-2E67-4519-B2DD-937ADEA05D44}" presName="spVertical2" presStyleCnt="0"/>
-      <dgm:spPr/>
-    </dgm:pt>
-    <dgm:pt modelId="{A5812DEA-23F8-454A-A46E-7216ACE27E72}" type="pres">
-      <dgm:prSet presAssocID="{17F5A741-2E67-4519-B2DD-937ADEA05D44}" presName="spVertical3" presStyleCnt="0"/>
-      <dgm:spPr/>
-    </dgm:pt>
-    <dgm:pt modelId="{90A5E622-2BD9-4DFC-A65C-E3F8A60F3FC2}" type="pres">
-      <dgm:prSet presAssocID="{71DB5A0F-D188-44E2-94E6-0339E546899D}" presName="padding2" presStyleCnt="0"/>
-      <dgm:spPr/>
-    </dgm:pt>
-    <dgm:pt modelId="{D4800863-AC40-431D-9403-D15A3B687895}" type="pres">
-      <dgm:prSet presAssocID="{71DB5A0F-D188-44E2-94E6-0339E546899D}" presName="negArrow" presStyleCnt="0"/>
-      <dgm:spPr/>
-    </dgm:pt>
-    <dgm:pt modelId="{52727FA4-6673-449B-8E0D-256B5E0F09AF}" type="pres">
-      <dgm:prSet presAssocID="{71DB5A0F-D188-44E2-94E6-0339E546899D}" presName="backgroundArrow" presStyleLbl="node1" presStyleIdx="0" presStyleCnt="1" custAng="5400000" custScaleX="18575" custScaleY="101916" custLinFactNeighborX="-350" custLinFactNeighborY="-756"/>
-      <dgm:spPr/>
-    </dgm:pt>
-  </dgm:ptLst>
-  <dgm:cxnLst>
-    <dgm:cxn modelId="{BE8B57D3-A605-447E-9DDE-BE36590233F2}" srcId="{71DB5A0F-D188-44E2-94E6-0339E546899D}" destId="{17F5A741-2E67-4519-B2DD-937ADEA05D44}" srcOrd="0" destOrd="0" parTransId="{FCF04371-52C7-4F71-86FC-41101BE2B3AE}" sibTransId="{11C77F18-1A5E-43ED-BEF4-C4D403647581}"/>
-    <dgm:cxn modelId="{1593FB0B-39EB-4BD1-8B23-B1451E0A3796}" type="presOf" srcId="{17F5A741-2E67-4519-B2DD-937ADEA05D44}" destId="{9A2D6D76-92FA-49ED-A93C-51A3709CE611}" srcOrd="0" destOrd="0" presId="urn:microsoft.com/office/officeart/2005/8/layout/hProcess3"/>
-    <dgm:cxn modelId="{2B9D78D1-7777-4F5E-A104-DC41FF61FB22}" type="presOf" srcId="{71DB5A0F-D188-44E2-94E6-0339E546899D}" destId="{7AB4FF65-0D28-404A-B543-6D66FD8B95D5}" srcOrd="0" destOrd="0" presId="urn:microsoft.com/office/officeart/2005/8/layout/hProcess3"/>
-    <dgm:cxn modelId="{98AD01DA-F5B3-4D31-B438-BCEC0DA56DA7}" type="presParOf" srcId="{7AB4FF65-0D28-404A-B543-6D66FD8B95D5}" destId="{2D1550AA-BF6A-474A-B20D-E0A1ED2F55BB}" srcOrd="0" destOrd="0" presId="urn:microsoft.com/office/officeart/2005/8/layout/hProcess3"/>
-    <dgm:cxn modelId="{243035D4-1A9F-4EB0-925D-BAA422F1F97F}" type="presParOf" srcId="{7AB4FF65-0D28-404A-B543-6D66FD8B95D5}" destId="{673098B3-3380-4707-B929-C820BDF071D9}" srcOrd="1" destOrd="0" presId="urn:microsoft.com/office/officeart/2005/8/layout/hProcess3"/>
-    <dgm:cxn modelId="{A6AA9A09-FD26-4F61-875F-5B8026B4B640}" type="presParOf" srcId="{673098B3-3380-4707-B929-C820BDF071D9}" destId="{F9ED58EF-C49D-4267-B089-FBC4EEC5F3B1}" srcOrd="0" destOrd="0" presId="urn:microsoft.com/office/officeart/2005/8/layout/hProcess3"/>
-    <dgm:cxn modelId="{97B2216E-C1A4-47D9-9142-E322D3581224}" type="presParOf" srcId="{673098B3-3380-4707-B929-C820BDF071D9}" destId="{719493BB-E841-43E0-82D3-764B892BD400}" srcOrd="1" destOrd="0" presId="urn:microsoft.com/office/officeart/2005/8/layout/hProcess3"/>
-    <dgm:cxn modelId="{804C5034-E36F-4E43-9894-3633F10236DC}" type="presParOf" srcId="{719493BB-E841-43E0-82D3-764B892BD400}" destId="{28F99037-5AC4-4B1D-8B54-2B8395D2F976}" srcOrd="0" destOrd="0" presId="urn:microsoft.com/office/officeart/2005/8/layout/hProcess3"/>
-    <dgm:cxn modelId="{B0E6033C-6FC7-4FC9-8598-294F0551B014}" type="presParOf" srcId="{719493BB-E841-43E0-82D3-764B892BD400}" destId="{9A2D6D76-92FA-49ED-A93C-51A3709CE611}" srcOrd="1" destOrd="0" presId="urn:microsoft.com/office/officeart/2005/8/layout/hProcess3"/>
-    <dgm:cxn modelId="{5CE4077D-751D-4BF8-B364-65FEBE18A644}" type="presParOf" srcId="{719493BB-E841-43E0-82D3-764B892BD400}" destId="{8B78DBCF-4EE7-488A-ACB6-0C374233F727}" srcOrd="2" destOrd="0" presId="urn:microsoft.com/office/officeart/2005/8/layout/hProcess3"/>
-    <dgm:cxn modelId="{CF63E880-13A3-4B4B-9420-C7AC8DAC6375}" type="presParOf" srcId="{719493BB-E841-43E0-82D3-764B892BD400}" destId="{A5812DEA-23F8-454A-A46E-7216ACE27E72}" srcOrd="3" destOrd="0" presId="urn:microsoft.com/office/officeart/2005/8/layout/hProcess3"/>
-    <dgm:cxn modelId="{05C8511A-03AE-45A7-993C-AB53CDAD6C41}" type="presParOf" srcId="{673098B3-3380-4707-B929-C820BDF071D9}" destId="{90A5E622-2BD9-4DFC-A65C-E3F8A60F3FC2}" srcOrd="2" destOrd="0" presId="urn:microsoft.com/office/officeart/2005/8/layout/hProcess3"/>
-    <dgm:cxn modelId="{D11729CC-0257-456E-B192-EC419445977E}" type="presParOf" srcId="{673098B3-3380-4707-B929-C820BDF071D9}" destId="{D4800863-AC40-431D-9403-D15A3B687895}" srcOrd="3" destOrd="0" presId="urn:microsoft.com/office/officeart/2005/8/layout/hProcess3"/>
-    <dgm:cxn modelId="{D8C8B094-1F10-43F6-BCF2-5A6FD4C8B053}" type="presParOf" srcId="{673098B3-3380-4707-B929-C820BDF071D9}" destId="{52727FA4-6673-449B-8E0D-256B5E0F09AF}" srcOrd="4" destOrd="0" presId="urn:microsoft.com/office/officeart/2005/8/layout/hProcess3"/>
-  </dgm:cxnLst>
-  <dgm:bg/>
-  <dgm:whole/>
-  <dgm:extLst>
-    <a:ext uri="http://schemas.microsoft.com/office/drawing/2008/diagram">
-      <dsp:dataModelExt xmlns:dsp="http://schemas.microsoft.com/office/drawing/2008/diagram" relId="rId7" minVer="http://schemas.openxmlformats.org/drawingml/2006/diagram"/>
-    </a:ext>
-  </dgm:extLst>
-</dgm:dataModel>
-</file>
-
-<file path=ppt/diagrams/drawing1.xml><?xml version="1.0" encoding="utf-8"?>
-<dsp:drawing xmlns:dgm="http://schemas.openxmlformats.org/drawingml/2006/diagram" xmlns:dsp="http://schemas.microsoft.com/office/drawing/2008/diagram" xmlns:a="http://schemas.openxmlformats.org/drawingml/2006/main">
-  <dsp:spTree>
-    <dsp:nvGrpSpPr>
-      <dsp:cNvPr id="0" name=""/>
-      <dsp:cNvGrpSpPr/>
-    </dsp:nvGrpSpPr>
-    <dsp:grpSpPr/>
-    <dsp:sp modelId="{52727FA4-6673-449B-8E0D-256B5E0F09AF}">
-      <dsp:nvSpPr>
-        <dsp:cNvPr id="0" name=""/>
-        <dsp:cNvSpPr/>
-      </dsp:nvSpPr>
-      <dsp:spPr>
-        <a:xfrm rot="5400000">
-          <a:off x="-16129" y="31892"/>
-          <a:ext cx="4608512" cy="2128006"/>
-        </a:xfrm>
-        <a:prstGeom prst="rightArrow">
-          <a:avLst/>
-        </a:prstGeom>
-        <a:solidFill>
-          <a:schemeClr val="accent1">
-            <a:hueOff val="0"/>
-            <a:satOff val="0"/>
-            <a:lumOff val="0"/>
-            <a:alphaOff val="0"/>
-          </a:schemeClr>
-        </a:solidFill>
-        <a:ln w="12700" cap="flat" cmpd="sng" algn="ctr">
-          <a:solidFill>
-            <a:schemeClr val="lt1">
-              <a:hueOff val="0"/>
-              <a:satOff val="0"/>
-              <a:lumOff val="0"/>
-              <a:alphaOff val="0"/>
-            </a:schemeClr>
-          </a:solidFill>
-          <a:prstDash val="solid"/>
-        </a:ln>
-        <a:effectLst/>
-      </dsp:spPr>
-      <dsp:style>
-        <a:lnRef idx="2">
-          <a:scrgbClr r="0" g="0" b="0"/>
-        </a:lnRef>
-        <a:fillRef idx="1">
-          <a:scrgbClr r="0" g="0" b="0"/>
-        </a:fillRef>
-        <a:effectRef idx="0">
-          <a:scrgbClr r="0" g="0" b="0"/>
-        </a:effectRef>
-        <a:fontRef idx="minor">
-          <a:schemeClr val="lt1"/>
-        </a:fontRef>
-      </dsp:style>
-    </dsp:sp>
-    <dsp:sp modelId="{9A2D6D76-92FA-49ED-A93C-51A3709CE611}">
-      <dsp:nvSpPr>
-        <dsp:cNvPr id="0" name=""/>
-        <dsp:cNvSpPr/>
-      </dsp:nvSpPr>
-      <dsp:spPr>
-        <a:xfrm rot="5400000">
-          <a:off x="371741" y="553892"/>
-          <a:ext cx="3775919" cy="1044000"/>
-        </a:xfrm>
-        <a:prstGeom prst="rect">
-          <a:avLst/>
-        </a:prstGeom>
-        <a:noFill/>
-        <a:ln>
-          <a:noFill/>
-        </a:ln>
-        <a:effectLst/>
-      </dsp:spPr>
-      <dsp:style>
-        <a:lnRef idx="0">
-          <a:scrgbClr r="0" g="0" b="0"/>
-        </a:lnRef>
-        <a:fillRef idx="0">
-          <a:scrgbClr r="0" g="0" b="0"/>
-        </a:fillRef>
-        <a:effectRef idx="0">
-          <a:scrgbClr r="0" g="0" b="0"/>
-        </a:effectRef>
-        <a:fontRef idx="minor"/>
-      </dsp:style>
-      <dsp:txBody>
-        <a:bodyPr spcFirstLastPara="0" vert="horz" wrap="square" lIns="0" tIns="294640" rIns="0" bIns="294640" numCol="1" spcCol="1270" anchor="ctr" anchorCtr="0">
-          <a:noAutofit/>
-        </a:bodyPr>
-        <a:lstStyle/>
-        <a:p>
-          <a:pPr lvl="0" algn="ctr" defTabSz="1289050">
-            <a:lnSpc>
-              <a:spcPct val="90000"/>
-            </a:lnSpc>
-            <a:spcBef>
-              <a:spcPct val="0"/>
-            </a:spcBef>
-            <a:spcAft>
-              <a:spcPct val="35000"/>
-            </a:spcAft>
-          </a:pPr>
-          <a:r>
-            <a:rPr lang="pt-PT" sz="2900" kern="1200" dirty="0" smtClean="0"/>
-            <a:t>Escrita do relatório</a:t>
-          </a:r>
-          <a:endParaRPr lang="pt-PT" sz="2900" kern="1200" dirty="0"/>
-        </a:p>
-      </dsp:txBody>
-      <dsp:txXfrm>
-        <a:off x="371741" y="553892"/>
-        <a:ext cx="3775919" cy="1044000"/>
-      </dsp:txXfrm>
-    </dsp:sp>
-  </dsp:spTree>
-</dsp:drawing>
-</file>
-
-<file path=ppt/diagrams/layout1.xml><?xml version="1.0" encoding="utf-8"?>
-<dgm:layoutDef xmlns:dgm="http://schemas.openxmlformats.org/drawingml/2006/diagram" xmlns:a="http://schemas.openxmlformats.org/drawingml/2006/main" uniqueId="urn:microsoft.com/office/officeart/2005/8/layout/hProcess3">
-  <dgm:title val=""/>
-  <dgm:desc val=""/>
-  <dgm:catLst>
-    <dgm:cat type="process" pri="6000"/>
-  </dgm:catLst>
-  <dgm:sampData useDef="1">
-    <dgm:dataModel>
-      <dgm:ptLst/>
-      <dgm:bg/>
-      <dgm:whole/>
-    </dgm:dataModel>
-  </dgm:sampData>
-  <dgm:styleData>
-    <dgm:dataModel>
-      <dgm:ptLst>
-        <dgm:pt modelId="0" type="doc"/>
-        <dgm:pt modelId="1"/>
-        <dgm:pt modelId="2"/>
-      </dgm:ptLst>
-      <dgm:cxnLst>
-        <dgm:cxn modelId="3" srcId="0" destId="1" srcOrd="0" destOrd="0"/>
-        <dgm:cxn modelId="4" srcId="0" destId="2" srcOrd="1" destOrd="0"/>
-      </dgm:cxnLst>
-      <dgm:bg/>
-      <dgm:whole/>
-    </dgm:dataModel>
-  </dgm:styleData>
-  <dgm:clrData>
-    <dgm:dataModel>
-      <dgm:ptLst>
-        <dgm:pt modelId="0" type="doc"/>
-        <dgm:pt modelId="1"/>
-        <dgm:pt modelId="2"/>
-        <dgm:pt modelId="3"/>
-        <dgm:pt modelId="4"/>
-      </dgm:ptLst>
-      <dgm:cxnLst>
-        <dgm:cxn modelId="5" srcId="0" destId="1" srcOrd="0" destOrd="0"/>
-        <dgm:cxn modelId="6" srcId="0" destId="2" srcOrd="1" destOrd="0"/>
-        <dgm:cxn modelId="7" srcId="0" destId="3" srcOrd="2" destOrd="0"/>
-        <dgm:cxn modelId="8" srcId="0" destId="4" srcOrd="3" destOrd="0"/>
-      </dgm:cxnLst>
-      <dgm:bg/>
-      <dgm:whole/>
-    </dgm:dataModel>
-  </dgm:clrData>
-  <dgm:layoutNode name="Name0" chOrder="t">
-    <dgm:varLst>
-      <dgm:dir/>
-      <dgm:animLvl val="lvl"/>
-      <dgm:resizeHandles val="exact"/>
-    </dgm:varLst>
-    <dgm:alg type="composite"/>
-    <dgm:shape xmlns:r="http://schemas.openxmlformats.org/officeDocument/2006/relationships" r:blip="">
-      <dgm:adjLst/>
-    </dgm:shape>
-    <dgm:presOf/>
-    <dgm:constrLst>
-      <dgm:constr type="w" for="ch" forName="dummy" refType="w"/>
-      <dgm:constr type="h" for="ch" forName="dummy" refType="h"/>
-      <dgm:constr type="h" for="ch" forName="dummy" refType="w" refFor="ch" refForName="dummy" op="lte" fact="0.4"/>
-      <dgm:constr type="ctrX" for="ch" forName="dummy" refType="w" fact="0.5"/>
-      <dgm:constr type="ctrY" for="ch" forName="dummy" refType="h" fact="0.5"/>
-      <dgm:constr type="w" for="ch" forName="linH" refType="w"/>
-      <dgm:constr type="h" for="ch" forName="linH" refType="h"/>
-      <dgm:constr type="ctrX" for="ch" forName="linH" refType="w" fact="0.5"/>
-      <dgm:constr type="ctrY" for="ch" forName="linH" refType="h" fact="0.5"/>
-      <dgm:constr type="userP" for="ch" forName="linH" refType="h" refFor="ch" refForName="dummy" fact="0.25"/>
-      <dgm:constr type="userT" for="des" forName="parTx" refType="w" refFor="ch" refForName="dummy" fact="0.2"/>
-    </dgm:constrLst>
-    <dgm:ruleLst/>
-    <dgm:layoutNode name="dummy">
-      <dgm:alg type="sp"/>
-      <dgm:shape xmlns:r="http://schemas.openxmlformats.org/officeDocument/2006/relationships" r:blip="">
-        <dgm:adjLst/>
-      </dgm:shape>
-      <dgm:presOf/>
-      <dgm:constrLst/>
-      <dgm:ruleLst/>
-    </dgm:layoutNode>
-    <dgm:layoutNode name="linH">
-      <dgm:choose name="Name1">
-        <dgm:if name="Name2" func="var" arg="dir" op="equ" val="norm">
-          <dgm:alg type="lin">
-            <dgm:param type="linDir" val="fromL"/>
-            <dgm:param type="nodeVertAlign" val="t"/>
-          </dgm:alg>
-        </dgm:if>
-        <dgm:else name="Name3">
-          <dgm:alg type="lin">
-            <dgm:param type="linDir" val="fromR"/>
-            <dgm:param type="nodeVertAlign" val="t"/>
-          </dgm:alg>
-        </dgm:else>
-      </dgm:choose>
-      <dgm:shape xmlns:r="http://schemas.openxmlformats.org/officeDocument/2006/relationships" r:blip="">
-        <dgm:adjLst/>
-      </dgm:shape>
-      <dgm:presOf/>
-      <dgm:constrLst>
-        <dgm:constr type="primFontSz" for="des" forName="parTx" val="65"/>
-        <dgm:constr type="primFontSz" for="des" forName="desTx" refType="primFontSz" refFor="des" refForName="parTx" op="equ"/>
-        <dgm:constr type="h" for="des" forName="parTx" refType="primFontSz" refFor="des" refForName="parTx"/>
-        <dgm:constr type="h" for="des" forName="desTx" refType="primFontSz" refFor="des" refForName="parTx" fact="0.5"/>
-        <dgm:constr type="h" for="des" forName="parTx" op="equ"/>
-        <dgm:constr type="h" for="des" forName="desTx" op="equ"/>
-        <dgm:constr type="h" for="ch" forName="backgroundArrow" refType="primFontSz" refFor="des" refForName="parTx" fact="2"/>
-        <dgm:constr type="h" for="ch" forName="backgroundArrow" refType="h" refFor="des" refForName="parTx" op="lte" fact="2"/>
-        <dgm:constr type="h" for="ch" forName="backgroundArrow" refType="h" refFor="des" refForName="parTx" op="gte" fact="2"/>
-        <dgm:constr type="h" for="des" forName="spVertical1" refType="primFontSz" refFor="des" refForName="parTx" fact="0.5"/>
-        <dgm:constr type="h" for="des" forName="spVertical1" refType="h" refFor="des" refForName="parTx" op="lte" fact="0.5"/>
-        <dgm:constr type="h" for="des" forName="spVertical1" refType="h" refFor="des" refForName="parTx" op="gte" fact="0.5"/>
-        <dgm:constr type="h" for="des" forName="spVertical2" refType="primFontSz" refFor="des" refForName="parTx" fact="0.5"/>
-        <dgm:constr type="h" for="des" forName="spVertical2" refType="h" refFor="des" refForName="parTx" op="lte" fact="0.5"/>
-        <dgm:constr type="h" for="des" forName="spVertical2" refType="h" refFor="des" refForName="parTx" op="gte" fact="0.5"/>
-        <dgm:constr type="h" for="des" forName="spVertical3" refType="primFontSz" refFor="des" refForName="parTx" fact="-0.4"/>
-        <dgm:constr type="h" for="des" forName="spVertical3" refType="h" refFor="des" refForName="parTx" op="lte" fact="-0.4"/>
-        <dgm:constr type="h" for="des" forName="spVertical3" refType="h" refFor="des" refForName="parTx" op="gte" fact="-0.4"/>
-        <dgm:constr type="w" for="ch" forName="backgroundArrow" refType="w"/>
-        <dgm:constr type="w" for="ch" forName="negArrow" refType="w" fact="-1"/>
-        <dgm:constr type="w" for="ch" forName="linV" refType="w"/>
-        <dgm:constr type="w" for="ch" forName="space" refType="w" refFor="ch" refForName="linV" fact="0.2"/>
-        <dgm:constr type="w" for="ch" forName="padding1" refType="w" fact="0.08"/>
-        <dgm:constr type="userP"/>
-        <dgm:constr type="w" for="ch" forName="padding2" refType="userP"/>
-      </dgm:constrLst>
-      <dgm:ruleLst>
-        <dgm:rule type="w" for="ch" forName="linV" val="0" fact="NaN" max="NaN"/>
-        <dgm:rule type="primFontSz" for="des" forName="parTx" val="5" fact="NaN" max="NaN"/>
-      </dgm:ruleLst>
-      <dgm:layoutNode name="padding1">
-        <dgm:alg type="sp"/>
-        <dgm:shape xmlns:r="http://schemas.openxmlformats.org/officeDocument/2006/relationships" r:blip="">
-          <dgm:adjLst/>
-        </dgm:shape>
-        <dgm:presOf/>
-        <dgm:constrLst/>
-        <dgm:ruleLst/>
-      </dgm:layoutNode>
-      <dgm:forEach name="Name4" axis="ch" ptType="node">
-        <dgm:layoutNode name="linV">
-          <dgm:alg type="lin">
-            <dgm:param type="linDir" val="fromT"/>
-          </dgm:alg>
-          <dgm:shape xmlns:r="http://schemas.openxmlformats.org/officeDocument/2006/relationships" r:blip="">
-            <dgm:adjLst/>
-          </dgm:shape>
-          <dgm:presOf/>
-          <dgm:constrLst>
-            <dgm:constr type="w" for="ch" forName="spVertical1" refType="w"/>
-            <dgm:constr type="w" for="ch" forName="parTx" refType="w"/>
-            <dgm:constr type="w" for="ch" forName="spVertical2" refType="w"/>
-            <dgm:constr type="w" for="ch" forName="spVertical3" refType="w"/>
-            <dgm:constr type="w" for="ch" forName="desTx" refType="w"/>
-          </dgm:constrLst>
-          <dgm:ruleLst/>
-          <dgm:layoutNode name="spVertical1">
-            <dgm:alg type="sp"/>
-            <dgm:shape xmlns:r="http://schemas.openxmlformats.org/officeDocument/2006/relationships" r:blip="">
-              <dgm:adjLst/>
-            </dgm:shape>
-            <dgm:presOf/>
-            <dgm:constrLst/>
-            <dgm:ruleLst/>
-          </dgm:layoutNode>
-          <dgm:layoutNode name="parTx" styleLbl="revTx">
-            <dgm:varLst>
-              <dgm:chMax val="0"/>
-              <dgm:chPref val="0"/>
-              <dgm:bulletEnabled val="1"/>
-            </dgm:varLst>
-            <dgm:choose name="Name5">
-              <dgm:if name="Name6" axis="root des" ptType="all node" func="maxDepth" op="gt" val="1">
-                <dgm:alg type="tx">
-                  <dgm:param type="parTxLTRAlign" val="l"/>
-                  <dgm:param type="parTxRTLAlign" val="r"/>
-                </dgm:alg>
-              </dgm:if>
-              <dgm:else name="Name7">
-                <dgm:alg type="tx">
-                  <dgm:param type="parTxLTRAlign" val="ctr"/>
-                  <dgm:param type="parTxRTLAlign" val="ctr"/>
-                </dgm:alg>
-              </dgm:else>
-            </dgm:choose>
-            <dgm:shape xmlns:r="http://schemas.openxmlformats.org/officeDocument/2006/relationships" type="rect" r:blip="">
-              <dgm:adjLst/>
-            </dgm:shape>
-            <dgm:presOf axis="self" ptType="node"/>
-            <dgm:choose name="Name8">
-              <dgm:if name="Name9" func="var" arg="dir" op="equ" val="norm">
-                <dgm:constrLst>
-                  <dgm:constr type="userT"/>
-                  <dgm:constr type="h" refType="userT" op="lte"/>
-                  <dgm:constr type="tMarg" refType="primFontSz" fact="0.8"/>
-                  <dgm:constr type="bMarg" refType="tMarg"/>
-                  <dgm:constr type="lMarg"/>
-                  <dgm:constr type="rMarg"/>
-                </dgm:constrLst>
-              </dgm:if>
-              <dgm:else name="Name10">
-                <dgm:constrLst>
-                  <dgm:constr type="userT"/>
-                  <dgm:constr type="h" refType="userT" op="lte"/>
-                  <dgm:constr type="tMarg" refType="primFontSz" fact="0.8"/>
-                  <dgm:constr type="bMarg" refType="tMarg"/>
-                  <dgm:constr type="lMarg"/>
-                  <dgm:constr type="rMarg"/>
-                </dgm:constrLst>
-              </dgm:else>
-            </dgm:choose>
-            <dgm:ruleLst>
-              <dgm:rule type="h" val="INF" fact="NaN" max="NaN"/>
-            </dgm:ruleLst>
-          </dgm:layoutNode>
-          <dgm:layoutNode name="spVertical2">
-            <dgm:alg type="sp"/>
-            <dgm:shape xmlns:r="http://schemas.openxmlformats.org/officeDocument/2006/relationships" r:blip="">
-              <dgm:adjLst/>
-            </dgm:shape>
-            <dgm:presOf/>
-            <dgm:constrLst/>
-            <dgm:ruleLst/>
-          </dgm:layoutNode>
-          <dgm:layoutNode name="spVertical3">
-            <dgm:alg type="sp"/>
-            <dgm:shape xmlns:r="http://schemas.openxmlformats.org/officeDocument/2006/relationships" r:blip="">
-              <dgm:adjLst/>
-            </dgm:shape>
-            <dgm:presOf/>
-            <dgm:constrLst/>
-            <dgm:ruleLst/>
-          </dgm:layoutNode>
-          <dgm:choose name="Name11">
-            <dgm:if name="Name12" axis="ch" ptType="node" func="cnt" op="gte" val="1">
-              <dgm:layoutNode name="desTx" styleLbl="revTx">
-                <dgm:varLst>
-                  <dgm:bulletEnabled val="1"/>
-                </dgm:varLst>
-                <dgm:alg type="tx">
-                  <dgm:param type="stBulletLvl" val="1"/>
-                </dgm:alg>
-                <dgm:shape xmlns:r="http://schemas.openxmlformats.org/officeDocument/2006/relationships" type="rect" r:blip="">
-                  <dgm:adjLst/>
-                </dgm:shape>
-                <dgm:presOf axis="des" ptType="node"/>
-                <dgm:constrLst>
-                  <dgm:constr type="tMarg"/>
-                  <dgm:constr type="bMarg"/>
-                  <dgm:constr type="rMarg"/>
-                  <dgm:constr type="lMarg"/>
-                </dgm:constrLst>
-                <dgm:ruleLst>
-                  <dgm:rule type="h" val="INF" fact="NaN" max="NaN"/>
-                </dgm:ruleLst>
-              </dgm:layoutNode>
-            </dgm:if>
-            <dgm:else name="Name13"/>
-          </dgm:choose>
-        </dgm:layoutNode>
-        <dgm:forEach name="Name14" axis="followSib" ptType="sibTrans" cnt="1">
-          <dgm:layoutNode name="space">
-            <dgm:alg type="sp"/>
-            <dgm:shape xmlns:r="http://schemas.openxmlformats.org/officeDocument/2006/relationships" r:blip="">
-              <dgm:adjLst/>
-            </dgm:shape>
-            <dgm:presOf/>
-            <dgm:constrLst/>
-            <dgm:ruleLst/>
-          </dgm:layoutNode>
-        </dgm:forEach>
-      </dgm:forEach>
-      <dgm:layoutNode name="padding2">
-        <dgm:alg type="sp"/>
-        <dgm:shape xmlns:r="http://schemas.openxmlformats.org/officeDocument/2006/relationships" r:blip="">
-          <dgm:adjLst/>
-        </dgm:shape>
-        <dgm:presOf/>
-        <dgm:constrLst/>
-        <dgm:ruleLst/>
-      </dgm:layoutNode>
-      <dgm:layoutNode name="negArrow">
-        <dgm:alg type="sp"/>
-        <dgm:shape xmlns:r="http://schemas.openxmlformats.org/officeDocument/2006/relationships" r:blip="">
-          <dgm:adjLst/>
-        </dgm:shape>
-        <dgm:presOf/>
-        <dgm:constrLst/>
-        <dgm:ruleLst/>
-      </dgm:layoutNode>
-      <dgm:layoutNode name="backgroundArrow" styleLbl="node1">
-        <dgm:alg type="sp"/>
-        <dgm:choose name="Name15">
-          <dgm:if name="Name16" func="var" arg="dir" op="equ" val="norm">
-            <dgm:shape xmlns:r="http://schemas.openxmlformats.org/officeDocument/2006/relationships" type="rightArrow" r:blip="">
-              <dgm:adjLst/>
-            </dgm:shape>
-          </dgm:if>
-          <dgm:else name="Name17">
-            <dgm:shape xmlns:r="http://schemas.openxmlformats.org/officeDocument/2006/relationships" type="leftArrow" r:blip="">
-              <dgm:adjLst/>
-            </dgm:shape>
-          </dgm:else>
-        </dgm:choose>
-        <dgm:presOf/>
-        <dgm:constrLst/>
-        <dgm:ruleLst/>
-      </dgm:layoutNode>
-    </dgm:layoutNode>
-  </dgm:layoutNode>
-</dgm:layoutDef>
-</file>
-
-<file path=ppt/diagrams/quickStyle1.xml><?xml version="1.0" encoding="utf-8"?>
-<dgm:styleDef xmlns:dgm="http://schemas.openxmlformats.org/drawingml/2006/diagram" xmlns:a="http://schemas.openxmlformats.org/drawingml/2006/main" uniqueId="urn:microsoft.com/office/officeart/2005/8/quickstyle/simple1">
-  <dgm:title val=""/>
-  <dgm:desc val=""/>
-  <dgm:catLst>
-    <dgm:cat type="simple" pri="10100"/>
-  </dgm:catLst>
-  <dgm:scene3d>
-    <a:camera prst="orthographicFront"/>
-    <a:lightRig rig="threePt" dir="t"/>
-  </dgm:scene3d>
-  <dgm:styleLbl name="node0">
-    <dgm:scene3d>
-      <a:camera prst="orthographicFront"/>
-      <a:lightRig rig="threePt" dir="t"/>
-    </dgm:scene3d>
-    <dgm:sp3d/>
-    <dgm:txPr/>
-    <dgm:style>
-      <a:lnRef idx="2">
-        <a:scrgbClr r="0" g="0" b="0"/>
-      </a:lnRef>
-      <a:fillRef idx="1">
-        <a:scrgbClr r="0" g="0" b="0"/>
-      </a:fillRef>
-      <a:effectRef idx="0">
-        <a:scrgbClr r="0" g="0" b="0"/>
-      </a:effectRef>
-      <a:fontRef idx="minor">
-        <a:schemeClr val="lt1"/>
-      </a:fontRef>
-    </dgm:style>
-  </dgm:styleLbl>
-  <dgm:styleLbl name="lnNode1">
-    <dgm:scene3d>
-      <a:camera prst="orthographicFront"/>
-      <a:lightRig rig="threePt" dir="t"/>
-    </dgm:scene3d>
-    <dgm:sp3d/>
-    <dgm:txPr/>
-    <dgm:style>
-      <a:lnRef idx="2">
-        <a:scrgbClr r="0" g="0" b="0"/>
-      </a:lnRef>
-      <a:fillRef idx="1">
-        <a:scrgbClr r="0" g="0" b="0"/>
-      </a:fillRef>
-      <a:effectRef idx="0">
-        <a:scrgbClr r="0" g="0" b="0"/>
-      </a:effectRef>
-      <a:fontRef idx="minor">
-        <a:schemeClr val="lt1"/>
-      </a:fontRef>
-    </dgm:style>
-  </dgm:styleLbl>
-  <dgm:styleLbl name="vennNode1">
-    <dgm:scene3d>
-      <a:camera prst="orthographicFront"/>
-      <a:lightRig rig="threePt" dir="t"/>
-    </dgm:scene3d>
-    <dgm:sp3d/>
-    <dgm:txPr/>
-    <dgm:style>
-      <a:lnRef idx="2">
-        <a:scrgbClr r="0" g="0" b="0"/>
-      </a:lnRef>
-      <a:fillRef idx="1">
-        <a:scrgbClr r="0" g="0" b="0"/>
-      </a:fillRef>
-      <a:effectRef idx="0">
-        <a:scrgbClr r="0" g="0" b="0"/>
-      </a:effectRef>
-      <a:fontRef idx="minor">
-        <a:schemeClr val="tx1"/>
-      </a:fontRef>
-    </dgm:style>
-  </dgm:styleLbl>
-  <dgm:styleLbl name="alignNode1">
-    <dgm:scene3d>
-      <a:camera prst="orthographicFront"/>
-      <a:lightRig rig="threePt" dir="t"/>
-    </dgm:scene3d>
-    <dgm:sp3d/>
-    <dgm:txPr/>
-    <dgm:style>
-      <a:lnRef idx="2">
-        <a:scrgbClr r="0" g="0" b="0"/>
-      </a:lnRef>
-      <a:fillRef idx="1">
-        <a:scrgbClr r="0" g="0" b="0"/>
-      </a:fillRef>
-      <a:effectRef idx="0">
-        <a:scrgbClr r="0" g="0" b="0"/>
-      </a:effectRef>
-      <a:fontRef idx="minor">
-        <a:schemeClr val="lt1"/>
-      </a:fontRef>
-    </dgm:style>
-  </dgm:styleLbl>
-  <dgm:styleLbl name="node1">
-    <dgm:scene3d>
-      <a:camera prst="orthographicFront"/>
-      <a:lightRig rig="threePt" dir="t"/>
-    </dgm:scene3d>
-    <dgm:sp3d/>
-    <dgm:txPr/>
-    <dgm:style>
-      <a:lnRef idx="2">
-        <a:scrgbClr r="0" g="0" b="0"/>
-      </a:lnRef>
-      <a:fillRef idx="1">
-        <a:scrgbClr r="0" g="0" b="0"/>
-      </a:fillRef>
-      <a:effectRef idx="0">
-        <a:scrgbClr r="0" g="0" b="0"/>
-      </a:effectRef>
-      <a:fontRef idx="minor">
-        <a:schemeClr val="lt1"/>
-      </a:fontRef>
-    </dgm:style>
-  </dgm:styleLbl>
-  <dgm:styleLbl name="node2">
-    <dgm:scene3d>
-      <a:camera prst="orthographicFront"/>
-      <a:lightRig rig="threePt" dir="t"/>
-    </dgm:scene3d>
-    <dgm:sp3d/>
-    <dgm:txPr/>
-    <dgm:style>
-      <a:lnRef idx="2">
-        <a:scrgbClr r="0" g="0" b="0"/>
-      </a:lnRef>
-      <a:fillRef idx="1">
-        <a:scrgbClr r="0" g="0" b="0"/>
-      </a:fillRef>
-      <a:effectRef idx="0">
-        <a:scrgbClr r="0" g="0" b="0"/>
-      </a:effectRef>
-      <a:fontRef idx="minor">
-        <a:schemeClr val="lt1"/>
-      </a:fontRef>
-    </dgm:style>
-  </dgm:styleLbl>
-  <dgm:styleLbl name="node3">
-    <dgm:scene3d>
-      <a:camera prst="orthographicFront"/>
-      <a:lightRig rig="threePt" dir="t"/>
-    </dgm:scene3d>
-    <dgm:sp3d/>
-    <dgm:txPr/>
-    <dgm:style>
-      <a:lnRef idx="2">
-        <a:scrgbClr r="0" g="0" b="0"/>
-      </a:lnRef>
-      <a:fillRef idx="1">
-        <a:scrgbClr r="0" g="0" b="0"/>
-      </a:fillRef>
-      <a:effectRef idx="0">
-        <a:scrgbClr r="0" g="0" b="0"/>
-      </a:effectRef>
-      <a:fontRef idx="minor">
-        <a:schemeClr val="lt1"/>
-      </a:fontRef>
-    </dgm:style>
-  </dgm:styleLbl>
-  <dgm:styleLbl name="node4">
-    <dgm:scene3d>
-      <a:camera prst="orthographicFront"/>
-      <a:lightRig rig="threePt" dir="t"/>
-    </dgm:scene3d>
-    <dgm:sp3d/>
-    <dgm:txPr/>
-    <dgm:style>
-      <a:lnRef idx="2">
-        <a:scrgbClr r="0" g="0" b="0"/>
-      </a:lnRef>
-      <a:fillRef idx="1">
-        <a:scrgbClr r="0" g="0" b="0"/>
-      </a:fillRef>
-      <a:effectRef idx="0">
-        <a:scrgbClr r="0" g="0" b="0"/>
-      </a:effectRef>
-      <a:fontRef idx="minor">
-        <a:schemeClr val="lt1"/>
-      </a:fontRef>
-    </dgm:style>
-  </dgm:styleLbl>
-  <dgm:styleLbl name="fgImgPlace1">
-    <dgm:scene3d>
-      <a:camera prst="orthographicFront"/>
-      <a:lightRig rig="threePt" dir="t"/>
-    </dgm:scene3d>
-    <dgm:sp3d/>
-    <dgm:txPr/>
-    <dgm:style>
-      <a:lnRef idx="2">
-        <a:scrgbClr r="0" g="0" b="0"/>
-      </a:lnRef>
-      <a:fillRef idx="1">
-        <a:scrgbClr r="0" g="0" b="0"/>
-      </a:fillRef>
-      <a:effectRef idx="0">
-        <a:scrgbClr r="0" g="0" b="0"/>
-      </a:effectRef>
-      <a:fontRef idx="minor"/>
-    </dgm:style>
-  </dgm:styleLbl>
-  <dgm:styleLbl name="alignImgPlace1">
-    <dgm:scene3d>
-      <a:camera prst="orthographicFront"/>
-      <a:lightRig rig="threePt" dir="t"/>
-    </dgm:scene3d>
-    <dgm:sp3d/>
-    <dgm:txPr/>
-    <dgm:style>
-      <a:lnRef idx="2">
-        <a:scrgbClr r="0" g="0" b="0"/>
-      </a:lnRef>
-      <a:fillRef idx="1">
-        <a:scrgbClr r="0" g="0" b="0"/>
-      </a:fillRef>
-      <a:effectRef idx="0">
-        <a:scrgbClr r="0" g="0" b="0"/>
-      </a:effectRef>
-      <a:fontRef idx="minor"/>
-    </dgm:style>
-  </dgm:styleLbl>
-  <dgm:styleLbl name="bgImgPlace1">
-    <dgm:scene3d>
-      <a:camera prst="orthographicFront"/>
-      <a:lightRig rig="threePt" dir="t"/>
-    </dgm:scene3d>
-    <dgm:sp3d/>
-    <dgm:txPr/>
-    <dgm:style>
-      <a:lnRef idx="2">
-        <a:scrgbClr r="0" g="0" b="0"/>
-      </a:lnRef>
-      <a:fillRef idx="1">
-        <a:scrgbClr r="0" g="0" b="0"/>
-      </a:fillRef>
-      <a:effectRef idx="0">
-        <a:scrgbClr r="0" g="0" b="0"/>
-      </a:effectRef>
-      <a:fontRef idx="minor"/>
-    </dgm:style>
-  </dgm:styleLbl>
-  <dgm:styleLbl name="sibTrans2D1">
-    <dgm:scene3d>
-      <a:camera prst="orthographicFront"/>
-      <a:lightRig rig="threePt" dir="t"/>
-    </dgm:scene3d>
-    <dgm:sp3d/>
-    <dgm:txPr/>
-    <dgm:style>
-      <a:lnRef idx="0">
-        <a:scrgbClr r="0" g="0" b="0"/>
-      </a:lnRef>
-      <a:fillRef idx="1">
-        <a:scrgbClr r="0" g="0" b="0"/>
-      </a:fillRef>
-      <a:effectRef idx="0">
-        <a:scrgbClr r="0" g="0" b="0"/>
-      </a:effectRef>
-      <a:fontRef idx="minor">
-        <a:schemeClr val="lt1"/>
-      </a:fontRef>
-    </dgm:style>
-  </dgm:styleLbl>
-  <dgm:styleLbl name="fgSibTrans2D1">
-    <dgm:scene3d>
-      <a:camera prst="orthographicFront"/>
-      <a:lightRig rig="threePt" dir="t"/>
-    </dgm:scene3d>
-    <dgm:sp3d/>
-    <dgm:txPr/>
-    <dgm:style>
-      <a:lnRef idx="0">
-        <a:scrgbClr r="0" g="0" b="0"/>
-      </a:lnRef>
-      <a:fillRef idx="1">
-        <a:scrgbClr r="0" g="0" b="0"/>
-      </a:fillRef>
-      <a:effectRef idx="0">
-        <a:scrgbClr r="0" g="0" b="0"/>
-      </a:effectRef>
-      <a:fontRef idx="minor">
-        <a:schemeClr val="lt1"/>
-      </a:fontRef>
-    </dgm:style>
-  </dgm:styleLbl>
-  <dgm:styleLbl name="bgSibTrans2D1">
-    <dgm:scene3d>
-      <a:camera prst="orthographicFront"/>
-      <a:lightRig rig="threePt" dir="t"/>
-    </dgm:scene3d>
-    <dgm:sp3d/>
-    <dgm:txPr/>
-    <dgm:style>
-      <a:lnRef idx="0">
-        <a:scrgbClr r="0" g="0" b="0"/>
-      </a:lnRef>
-      <a:fillRef idx="1">
-        <a:scrgbClr r="0" g="0" b="0"/>
-      </a:fillRef>
-      <a:effectRef idx="0">
-        <a:scrgbClr r="0" g="0" b="0"/>
-      </a:effectRef>
-      <a:fontRef idx="minor">
-        <a:schemeClr val="lt1"/>
-      </a:fontRef>
-    </dgm:style>
-  </dgm:styleLbl>
-  <dgm:styleLbl name="sibTrans1D1">
-    <dgm:scene3d>
-      <a:camera prst="orthographicFront"/>
-      <a:lightRig rig="threePt" dir="t"/>
-    </dgm:scene3d>
-    <dgm:sp3d/>
-    <dgm:txPr/>
-    <dgm:style>
-      <a:lnRef idx="1">
-        <a:scrgbClr r="0" g="0" b="0"/>
-      </a:lnRef>
-      <a:fillRef idx="0">
-        <a:scrgbClr r="0" g="0" b="0"/>
-      </a:fillRef>
-      <a:effectRef idx="0">
-        <a:scrgbClr r="0" g="0" b="0"/>
-      </a:effectRef>
-      <a:fontRef idx="minor"/>
-    </dgm:style>
-  </dgm:styleLbl>
-  <dgm:styleLbl name="callout">
-    <dgm:scene3d>
-      <a:camera prst="orthographicFront"/>
-      <a:lightRig rig="threePt" dir="t"/>
-    </dgm:scene3d>
-    <dgm:sp3d/>
-    <dgm:txPr/>
-    <dgm:style>
-      <a:lnRef idx="2">
-        <a:scrgbClr r="0" g="0" b="0"/>
-      </a:lnRef>
-      <a:fillRef idx="1">
-        <a:scrgbClr r="0" g="0" b="0"/>
-      </a:fillRef>
-      <a:effectRef idx="0">
-        <a:scrgbClr r="0" g="0" b="0"/>
-      </a:effectRef>
-      <a:fontRef idx="minor"/>
-    </dgm:style>
-  </dgm:styleLbl>
-  <dgm:styleLbl name="asst0">
-    <dgm:scene3d>
-      <a:camera prst="orthographicFront"/>
-      <a:lightRig rig="threePt" dir="t"/>
-    </dgm:scene3d>
-    <dgm:sp3d/>
-    <dgm:txPr/>
-    <dgm:style>
-      <a:lnRef idx="2">
-        <a:scrgbClr r="0" g="0" b="0"/>
-      </a:lnRef>
-      <a:fillRef idx="1">
-        <a:scrgbClr r="0" g="0" b="0"/>
-      </a:fillRef>
-      <a:effectRef idx="0">
-        <a:scrgbClr r="0" g="0" b="0"/>
-      </a:effectRef>
-      <a:fontRef idx="minor">
-        <a:schemeClr val="lt1"/>
-      </a:fontRef>
-    </dgm:style>
-  </dgm:styleLbl>
-  <dgm:styleLbl name="asst1">
-    <dgm:scene3d>
-      <a:camera prst="orthographicFront"/>
-      <a:lightRig rig="threePt" dir="t"/>
-    </dgm:scene3d>
-    <dgm:sp3d/>
-    <dgm:txPr/>
-    <dgm:style>
-      <a:lnRef idx="2">
-        <a:scrgbClr r="0" g="0" b="0"/>
-      </a:lnRef>
-      <a:fillRef idx="1">
-        <a:scrgbClr r="0" g="0" b="0"/>
-      </a:fillRef>
-      <a:effectRef idx="0">
-        <a:scrgbClr r="0" g="0" b="0"/>
-      </a:effectRef>
-      <a:fontRef idx="minor">
-        <a:schemeClr val="lt1"/>
-      </a:fontRef>
-    </dgm:style>
-  </dgm:styleLbl>
-  <dgm:styleLbl name="asst2">
-    <dgm:scene3d>
-      <a:camera prst="orthographicFront"/>
-      <a:lightRig rig="threePt" dir="t"/>
-    </dgm:scene3d>
-    <dgm:sp3d/>
-    <dgm:txPr/>
-    <dgm:style>
-      <a:lnRef idx="2">
-        <a:scrgbClr r="0" g="0" b="0"/>
-      </a:lnRef>
-      <a:fillRef idx="1">
-        <a:scrgbClr r="0" g="0" b="0"/>
-      </a:fillRef>
-      <a:effectRef idx="0">
-        <a:scrgbClr r="0" g="0" b="0"/>
-      </a:effectRef>
-      <a:fontRef idx="minor">
-        <a:schemeClr val="lt1"/>
-      </a:fontRef>
-    </dgm:style>
-  </dgm:styleLbl>
-  <dgm:styleLbl name="asst3">
-    <dgm:scene3d>
-      <a:camera prst="orthographicFront"/>
-      <a:lightRig rig="threePt" dir="t"/>
-    </dgm:scene3d>
-    <dgm:sp3d/>
-    <dgm:txPr/>
-    <dgm:style>
-      <a:lnRef idx="2">
-        <a:scrgbClr r="0" g="0" b="0"/>
-      </a:lnRef>
-      <a:fillRef idx="1">
-        <a:scrgbClr r="0" g="0" b="0"/>
-      </a:fillRef>
-      <a:effectRef idx="0">
-        <a:scrgbClr r="0" g="0" b="0"/>
-      </a:effectRef>
-      <a:fontRef idx="minor">
-        <a:schemeClr val="lt1"/>
-      </a:fontRef>
-    </dgm:style>
-  </dgm:styleLbl>
-  <dgm:styleLbl name="asst4">
-    <dgm:scene3d>
-      <a:camera prst="orthographicFront"/>
-      <a:lightRig rig="threePt" dir="t"/>
-    </dgm:scene3d>
-    <dgm:sp3d/>
-    <dgm:txPr/>
-    <dgm:style>
-      <a:lnRef idx="2">
-        <a:scrgbClr r="0" g="0" b="0"/>
-      </a:lnRef>
-      <a:fillRef idx="1">
-        <a:scrgbClr r="0" g="0" b="0"/>
-      </a:fillRef>
-      <a:effectRef idx="0">
-        <a:scrgbClr r="0" g="0" b="0"/>
-      </a:effectRef>
-      <a:fontRef idx="minor">
-        <a:schemeClr val="lt1"/>
-      </a:fontRef>
-    </dgm:style>
-  </dgm:styleLbl>
-  <dgm:styleLbl name="parChTrans2D1">
-    <dgm:scene3d>
-      <a:camera prst="orthographicFront"/>
-      <a:lightRig rig="threePt" dir="t"/>
-    </dgm:scene3d>
-    <dgm:sp3d/>
-    <dgm:txPr/>
-    <dgm:style>
-      <a:lnRef idx="2">
-        <a:scrgbClr r="0" g="0" b="0"/>
-      </a:lnRef>
-      <a:fillRef idx="1">
-        <a:scrgbClr r="0" g="0" b="0"/>
-      </a:fillRef>
-      <a:effectRef idx="0">
-        <a:scrgbClr r="0" g="0" b="0"/>
-      </a:effectRef>
-      <a:fontRef idx="minor">
-        <a:schemeClr val="lt1"/>
-      </a:fontRef>
-    </dgm:style>
-  </dgm:styleLbl>
-  <dgm:styleLbl name="parChTrans2D2">
-    <dgm:scene3d>
-      <a:camera prst="orthographicFront"/>
-      <a:lightRig rig="threePt" dir="t"/>
-    </dgm:scene3d>
-    <dgm:sp3d/>
-    <dgm:txPr/>
-    <dgm:style>
-      <a:lnRef idx="2">
-        <a:scrgbClr r="0" g="0" b="0"/>
-      </a:lnRef>
-      <a:fillRef idx="1">
-        <a:scrgbClr r="0" g="0" b="0"/>
-      </a:fillRef>
-      <a:effectRef idx="0">
-        <a:scrgbClr r="0" g="0" b="0"/>
-      </a:effectRef>
-      <a:fontRef idx="minor">
-        <a:schemeClr val="lt1"/>
-      </a:fontRef>
-    </dgm:style>
-  </dgm:styleLbl>
-  <dgm:styleLbl name="parChTrans2D3">
-    <dgm:scene3d>
-      <a:camera prst="orthographicFront"/>
-      <a:lightRig rig="threePt" dir="t"/>
-    </dgm:scene3d>
-    <dgm:sp3d/>
-    <dgm:txPr/>
-    <dgm:style>
-      <a:lnRef idx="2">
-        <a:scrgbClr r="0" g="0" b="0"/>
-      </a:lnRef>
-      <a:fillRef idx="1">
-        <a:scrgbClr r="0" g="0" b="0"/>
-      </a:fillRef>
-      <a:effectRef idx="0">
-        <a:scrgbClr r="0" g="0" b="0"/>
-      </a:effectRef>
-      <a:fontRef idx="minor">
-        <a:schemeClr val="lt1"/>
-      </a:fontRef>
-    </dgm:style>
-  </dgm:styleLbl>
-  <dgm:styleLbl name="parChTrans2D4">
-    <dgm:scene3d>
-      <a:camera prst="orthographicFront"/>
-      <a:lightRig rig="threePt" dir="t"/>
-    </dgm:scene3d>
-    <dgm:sp3d/>
-    <dgm:txPr/>
-    <dgm:style>
-      <a:lnRef idx="2">
-        <a:scrgbClr r="0" g="0" b="0"/>
-      </a:lnRef>
-      <a:fillRef idx="1">
-        <a:scrgbClr r="0" g="0" b="0"/>
-      </a:fillRef>
-      <a:effectRef idx="0">
-        <a:scrgbClr r="0" g="0" b="0"/>
-      </a:effectRef>
-      <a:fontRef idx="minor">
-        <a:schemeClr val="lt1"/>
-      </a:fontRef>
-    </dgm:style>
-  </dgm:styleLbl>
-  <dgm:styleLbl name="parChTrans1D1">
-    <dgm:scene3d>
-      <a:camera prst="orthographicFront"/>
-      <a:lightRig rig="threePt" dir="t"/>
-    </dgm:scene3d>
-    <dgm:sp3d/>
-    <dgm:txPr/>
-    <dgm:style>
-      <a:lnRef idx="2">
-        <a:scrgbClr r="0" g="0" b="0"/>
-      </a:lnRef>
-      <a:fillRef idx="0">
-        <a:scrgbClr r="0" g="0" b="0"/>
-      </a:fillRef>
-      <a:effectRef idx="0">
-        <a:scrgbClr r="0" g="0" b="0"/>
-      </a:effectRef>
-      <a:fontRef idx="minor"/>
-    </dgm:style>
-  </dgm:styleLbl>
-  <dgm:styleLbl name="parChTrans1D2">
-    <dgm:scene3d>
-      <a:camera prst="orthographicFront"/>
-      <a:lightRig rig="threePt" dir="t"/>
-    </dgm:scene3d>
-    <dgm:sp3d/>
-    <dgm:txPr/>
-    <dgm:style>
-      <a:lnRef idx="2">
-        <a:scrgbClr r="0" g="0" b="0"/>
-      </a:lnRef>
-      <a:fillRef idx="0">
-        <a:scrgbClr r="0" g="0" b="0"/>
-      </a:fillRef>
-      <a:effectRef idx="0">
-        <a:scrgbClr r="0" g="0" b="0"/>
-      </a:effectRef>
-      <a:fontRef idx="minor"/>
-    </dgm:style>
-  </dgm:styleLbl>
-  <dgm:styleLbl name="parChTrans1D3">
-    <dgm:scene3d>
-      <a:camera prst="orthographicFront"/>
-      <a:lightRig rig="threePt" dir="t"/>
-    </dgm:scene3d>
-    <dgm:sp3d/>
-    <dgm:txPr/>
-    <dgm:style>
-      <a:lnRef idx="2">
-        <a:scrgbClr r="0" g="0" b="0"/>
-      </a:lnRef>
-      <a:fillRef idx="0">
-        <a:scrgbClr r="0" g="0" b="0"/>
-      </a:fillRef>
-      <a:effectRef idx="0">
-        <a:scrgbClr r="0" g="0" b="0"/>
-      </a:effectRef>
-      <a:fontRef idx="minor"/>
-    </dgm:style>
-  </dgm:styleLbl>
-  <dgm:styleLbl name="parChTrans1D4">
-    <dgm:scene3d>
-      <a:camera prst="orthographicFront"/>
-      <a:lightRig rig="threePt" dir="t"/>
-    </dgm:scene3d>
-    <dgm:sp3d/>
-    <dgm:txPr/>
-    <dgm:style>
-      <a:lnRef idx="2">
-        <a:scrgbClr r="0" g="0" b="0"/>
-      </a:lnRef>
-      <a:fillRef idx="0">
-        <a:scrgbClr r="0" g="0" b="0"/>
-      </a:fillRef>
-      <a:effectRef idx="0">
-        <a:scrgbClr r="0" g="0" b="0"/>
-      </a:effectRef>
-      <a:fontRef idx="minor"/>
-    </dgm:style>
-  </dgm:styleLbl>
-  <dgm:styleLbl name="fgAcc1">
-    <dgm:scene3d>
-      <a:camera prst="orthographicFront"/>
-      <a:lightRig rig="threePt" dir="t"/>
-    </dgm:scene3d>
-    <dgm:sp3d/>
-    <dgm:txPr/>
-    <dgm:style>
-      <a:lnRef idx="2">
-        <a:scrgbClr r="0" g="0" b="0"/>
-      </a:lnRef>
-      <a:fillRef idx="1">
-        <a:scrgbClr r="0" g="0" b="0"/>
-      </a:fillRef>
-      <a:effectRef idx="0">
-        <a:scrgbClr r="0" g="0" b="0"/>
-      </a:effectRef>
-      <a:fontRef idx="minor"/>
-    </dgm:style>
-  </dgm:styleLbl>
-  <dgm:styleLbl name="conFgAcc1">
-    <dgm:scene3d>
-      <a:camera prst="orthographicFront"/>
-      <a:lightRig rig="threePt" dir="t"/>
-    </dgm:scene3d>
-    <dgm:sp3d/>
-    <dgm:txPr/>
-    <dgm:style>
-      <a:lnRef idx="2">
-        <a:scrgbClr r="0" g="0" b="0"/>
-      </a:lnRef>
-      <a:fillRef idx="1">
-        <a:scrgbClr r="0" g="0" b="0"/>
-      </a:fillRef>
-      <a:effectRef idx="0">
-        <a:scrgbClr r="0" g="0" b="0"/>
-      </a:effectRef>
-      <a:fontRef idx="minor"/>
-    </dgm:style>
-  </dgm:styleLbl>
-  <dgm:styleLbl name="alignAcc1">
-    <dgm:scene3d>
-      <a:camera prst="orthographicFront"/>
-      <a:lightRig rig="threePt" dir="t"/>
-    </dgm:scene3d>
-    <dgm:sp3d/>
-    <dgm:txPr/>
-    <dgm:style>
-      <a:lnRef idx="2">
-        <a:scrgbClr r="0" g="0" b="0"/>
-      </a:lnRef>
-      <a:fillRef idx="1">
-        <a:scrgbClr r="0" g="0" b="0"/>
-      </a:fillRef>
-      <a:effectRef idx="0">
-        <a:scrgbClr r="0" g="0" b="0"/>
-      </a:effectRef>
-      <a:fontRef idx="minor"/>
-    </dgm:style>
-  </dgm:styleLbl>
-  <dgm:styleLbl name="trAlignAcc1">
-    <dgm:scene3d>
-      <a:camera prst="orthographicFront"/>
-      <a:lightRig rig="threePt" dir="t"/>
-    </dgm:scene3d>
-    <dgm:sp3d/>
-    <dgm:txPr/>
-    <dgm:style>
-      <a:lnRef idx="1">
-        <a:scrgbClr r="0" g="0" b="0"/>
-      </a:lnRef>
-      <a:fillRef idx="1">
-        <a:scrgbClr r="0" g="0" b="0"/>
-      </a:fillRef>
-      <a:effectRef idx="0">
-        <a:scrgbClr r="0" g="0" b="0"/>
-      </a:effectRef>
-      <a:fontRef idx="minor"/>
-    </dgm:style>
-  </dgm:styleLbl>
-  <dgm:styleLbl name="bgAcc1">
-    <dgm:scene3d>
-      <a:camera prst="orthographicFront"/>
-      <a:lightRig rig="threePt" dir="t"/>
-    </dgm:scene3d>
-    <dgm:sp3d/>
-    <dgm:txPr/>
-    <dgm:style>
-      <a:lnRef idx="2">
-        <a:scrgbClr r="0" g="0" b="0"/>
-      </a:lnRef>
-      <a:fillRef idx="1">
-        <a:scrgbClr r="0" g="0" b="0"/>
-      </a:fillRef>
-      <a:effectRef idx="0">
-        <a:scrgbClr r="0" g="0" b="0"/>
-      </a:effectRef>
-      <a:fontRef idx="minor"/>
-    </dgm:style>
-  </dgm:styleLbl>
-  <dgm:styleLbl name="solidFgAcc1">
-    <dgm:scene3d>
-      <a:camera prst="orthographicFront"/>
-      <a:lightRig rig="threePt" dir="t"/>
-    </dgm:scene3d>
-    <dgm:sp3d/>
-    <dgm:txPr/>
-    <dgm:style>
-      <a:lnRef idx="2">
-        <a:scrgbClr r="0" g="0" b="0"/>
-      </a:lnRef>
-      <a:fillRef idx="1">
-        <a:scrgbClr r="0" g="0" b="0"/>
-      </a:fillRef>
-      <a:effectRef idx="0">
-        <a:scrgbClr r="0" g="0" b="0"/>
-      </a:effectRef>
-      <a:fontRef idx="minor"/>
-    </dgm:style>
-  </dgm:styleLbl>
-  <dgm:styleLbl name="solidAlignAcc1">
-    <dgm:scene3d>
-      <a:camera prst="orthographicFront"/>
-      <a:lightRig rig="threePt" dir="t"/>
-    </dgm:scene3d>
-    <dgm:sp3d/>
-    <dgm:txPr/>
-    <dgm:style>
-      <a:lnRef idx="2">
-        <a:scrgbClr r="0" g="0" b="0"/>
-      </a:lnRef>
-      <a:fillRef idx="1">
-        <a:scrgbClr r="0" g="0" b="0"/>
-      </a:fillRef>
-      <a:effectRef idx="0">
-        <a:scrgbClr r="0" g="0" b="0"/>
-      </a:effectRef>
-      <a:fontRef idx="minor"/>
-    </dgm:style>
-  </dgm:styleLbl>
-  <dgm:styleLbl name="solidBgAcc1">
-    <dgm:scene3d>
-      <a:camera prst="orthographicFront"/>
-      <a:lightRig rig="threePt" dir="t"/>
-    </dgm:scene3d>
-    <dgm:sp3d/>
-    <dgm:txPr/>
-    <dgm:style>
-      <a:lnRef idx="2">
-        <a:scrgbClr r="0" g="0" b="0"/>
-      </a:lnRef>
-      <a:fillRef idx="1">
-        <a:scrgbClr r="0" g="0" b="0"/>
-      </a:fillRef>
-      <a:effectRef idx="0">
-        <a:scrgbClr r="0" g="0" b="0"/>
-      </a:effectRef>
-      <a:fontRef idx="minor"/>
-    </dgm:style>
-  </dgm:styleLbl>
-  <dgm:styleLbl name="fgAccFollowNode1">
-    <dgm:scene3d>
-      <a:camera prst="orthographicFront"/>
-      <a:lightRig rig="threePt" dir="t"/>
-    </dgm:scene3d>
-    <dgm:sp3d/>
-    <dgm:txPr/>
-    <dgm:style>
-      <a:lnRef idx="2">
-        <a:scrgbClr r="0" g="0" b="0"/>
-      </a:lnRef>
-      <a:fillRef idx="1">
-        <a:scrgbClr r="0" g="0" b="0"/>
-      </a:fillRef>
-      <a:effectRef idx="0">
-        <a:scrgbClr r="0" g="0" b="0"/>
-      </a:effectRef>
-      <a:fontRef idx="minor"/>
-    </dgm:style>
-  </dgm:styleLbl>
-  <dgm:styleLbl name="alignAccFollowNode1">
-    <dgm:scene3d>
-      <a:camera prst="orthographicFront"/>
-      <a:lightRig rig="threePt" dir="t"/>
-    </dgm:scene3d>
-    <dgm:sp3d/>
-    <dgm:txPr/>
-    <dgm:style>
-      <a:lnRef idx="2">
-        <a:scrgbClr r="0" g="0" b="0"/>
-      </a:lnRef>
-      <a:fillRef idx="1">
-        <a:scrgbClr r="0" g="0" b="0"/>
-      </a:fillRef>
-      <a:effectRef idx="0">
-        <a:scrgbClr r="0" g="0" b="0"/>
-      </a:effectRef>
-      <a:fontRef idx="minor"/>
-    </dgm:style>
-  </dgm:styleLbl>
-  <dgm:styleLbl name="bgAccFollowNode1">
-    <dgm:scene3d>
-      <a:camera prst="orthographicFront"/>
-      <a:lightRig rig="threePt" dir="t"/>
-    </dgm:scene3d>
-    <dgm:sp3d/>
-    <dgm:txPr/>
-    <dgm:style>
-      <a:lnRef idx="2">
-        <a:scrgbClr r="0" g="0" b="0"/>
-      </a:lnRef>
-      <a:fillRef idx="1">
-        <a:scrgbClr r="0" g="0" b="0"/>
-      </a:fillRef>
-      <a:effectRef idx="0">
-        <a:scrgbClr r="0" g="0" b="0"/>
-      </a:effectRef>
-      <a:fontRef idx="minor"/>
-    </dgm:style>
-  </dgm:styleLbl>
-  <dgm:styleLbl name="fgAcc0">
-    <dgm:scene3d>
-      <a:camera prst="orthographicFront"/>
-      <a:lightRig rig="threePt" dir="t"/>
-    </dgm:scene3d>
-    <dgm:sp3d/>
-    <dgm:txPr/>
-    <dgm:style>
-      <a:lnRef idx="2">
-        <a:scrgbClr r="0" g="0" b="0"/>
-      </a:lnRef>
-      <a:fillRef idx="1">
-        <a:scrgbClr r="0" g="0" b="0"/>
-      </a:fillRef>
-      <a:effectRef idx="0">
-        <a:scrgbClr r="0" g="0" b="0"/>
-      </a:effectRef>
-      <a:fontRef idx="minor"/>
-    </dgm:style>
-  </dgm:styleLbl>
-  <dgm:styleLbl name="fgAcc2">
-    <dgm:scene3d>
-      <a:camera prst="orthographicFront"/>
-      <a:lightRig rig="threePt" dir="t"/>
-    </dgm:scene3d>
-    <dgm:sp3d/>
-    <dgm:txPr/>
-    <dgm:style>
-      <a:lnRef idx="2">
-        <a:scrgbClr r="0" g="0" b="0"/>
-      </a:lnRef>
-      <a:fillRef idx="1">
-        <a:scrgbClr r="0" g="0" b="0"/>
-      </a:fillRef>
-      <a:effectRef idx="0">
-        <a:scrgbClr r="0" g="0" b="0"/>
-      </a:effectRef>
-      <a:fontRef idx="minor"/>
-    </dgm:style>
-  </dgm:styleLbl>
-  <dgm:styleLbl name="fgAcc3">
-    <dgm:scene3d>
-      <a:camera prst="orthographicFront"/>
-      <a:lightRig rig="threePt" dir="t"/>
-    </dgm:scene3d>
-    <dgm:sp3d/>
-    <dgm:txPr/>
-    <dgm:style>
-      <a:lnRef idx="2">
-        <a:scrgbClr r="0" g="0" b="0"/>
-      </a:lnRef>
-      <a:fillRef idx="1">
-        <a:scrgbClr r="0" g="0" b="0"/>
-      </a:fillRef>
-      <a:effectRef idx="0">
-        <a:scrgbClr r="0" g="0" b="0"/>
-      </a:effectRef>
-      <a:fontRef idx="minor"/>
-    </dgm:style>
-  </dgm:styleLbl>
-  <dgm:styleLbl name="fgAcc4">
-    <dgm:scene3d>
-      <a:camera prst="orthographicFront"/>
-      <a:lightRig rig="threePt" dir="t"/>
-    </dgm:scene3d>
-    <dgm:sp3d/>
-    <dgm:txPr/>
-    <dgm:style>
-      <a:lnRef idx="2">
-        <a:scrgbClr r="0" g="0" b="0"/>
-      </a:lnRef>
-      <a:fillRef idx="1">
-        <a:scrgbClr r="0" g="0" b="0"/>
-      </a:fillRef>
-      <a:effectRef idx="0">
-        <a:scrgbClr r="0" g="0" b="0"/>
-      </a:effectRef>
-      <a:fontRef idx="minor"/>
-    </dgm:style>
-  </dgm:styleLbl>
-  <dgm:styleLbl name="bgShp">
-    <dgm:scene3d>
-      <a:camera prst="orthographicFront"/>
-      <a:lightRig rig="threePt" dir="t"/>
-    </dgm:scene3d>
-    <dgm:sp3d/>
-    <dgm:txPr/>
-    <dgm:style>
-      <a:lnRef idx="0">
-        <a:scrgbClr r="0" g="0" b="0"/>
-      </a:lnRef>
-      <a:fillRef idx="1">
-        <a:scrgbClr r="0" g="0" b="0"/>
-      </a:fillRef>
-      <a:effectRef idx="0">
-        <a:scrgbClr r="0" g="0" b="0"/>
-      </a:effectRef>
-      <a:fontRef idx="minor"/>
-    </dgm:style>
-  </dgm:styleLbl>
-  <dgm:styleLbl name="dkBgShp">
-    <dgm:scene3d>
-      <a:camera prst="orthographicFront"/>
-      <a:lightRig rig="threePt" dir="t"/>
-    </dgm:scene3d>
-    <dgm:sp3d/>
-    <dgm:txPr/>
-    <dgm:style>
-      <a:lnRef idx="0">
-        <a:scrgbClr r="0" g="0" b="0"/>
-      </a:lnRef>
-      <a:fillRef idx="1">
-        <a:scrgbClr r="0" g="0" b="0"/>
-      </a:fillRef>
-      <a:effectRef idx="0">
-        <a:scrgbClr r="0" g="0" b="0"/>
-      </a:effectRef>
-      <a:fontRef idx="minor"/>
-    </dgm:style>
-  </dgm:styleLbl>
-  <dgm:styleLbl name="trBgShp">
-    <dgm:scene3d>
-      <a:camera prst="orthographicFront"/>
-      <a:lightRig rig="threePt" dir="t"/>
-    </dgm:scene3d>
-    <dgm:sp3d/>
-    <dgm:txPr/>
-    <dgm:style>
-      <a:lnRef idx="0">
-        <a:scrgbClr r="0" g="0" b="0"/>
-      </a:lnRef>
-      <a:fillRef idx="1">
-        <a:scrgbClr r="0" g="0" b="0"/>
-      </a:fillRef>
-      <a:effectRef idx="0">
-        <a:scrgbClr r="0" g="0" b="0"/>
-      </a:effectRef>
-      <a:fontRef idx="minor"/>
-    </dgm:style>
-  </dgm:styleLbl>
-  <dgm:styleLbl name="fgShp">
-    <dgm:scene3d>
-      <a:camera prst="orthographicFront"/>
-      <a:lightRig rig="threePt" dir="t"/>
-    </dgm:scene3d>
-    <dgm:sp3d/>
-    <dgm:txPr/>
-    <dgm:style>
-      <a:lnRef idx="2">
-        <a:scrgbClr r="0" g="0" b="0"/>
-      </a:lnRef>
-      <a:fillRef idx="1">
-        <a:scrgbClr r="0" g="0" b="0"/>
-      </a:fillRef>
-      <a:effectRef idx="0">
-        <a:scrgbClr r="0" g="0" b="0"/>
-      </a:effectRef>
-      <a:fontRef idx="minor"/>
-    </dgm:style>
-  </dgm:styleLbl>
-  <dgm:styleLbl name="revTx">
-    <dgm:scene3d>
-      <a:camera prst="orthographicFront"/>
-      <a:lightRig rig="threePt" dir="t"/>
-    </dgm:scene3d>
-    <dgm:sp3d/>
-    <dgm:txPr/>
-    <dgm:style>
-      <a:lnRef idx="0">
-        <a:scrgbClr r="0" g="0" b="0"/>
-      </a:lnRef>
-      <a:fillRef idx="0">
-        <a:scrgbClr r="0" g="0" b="0"/>
-      </a:fillRef>
-      <a:effectRef idx="0">
-        <a:scrgbClr r="0" g="0" b="0"/>
-      </a:effectRef>
-      <a:fontRef idx="minor"/>
-    </dgm:style>
-  </dgm:styleLbl>
-</dgm:styleDef>
-</file>
-
 <file path=ppt/notesMasters/notesMaster1.xml><?xml version="1.0" encoding="utf-8"?>
 <p:notesMaster xmlns:a="http://schemas.openxmlformats.org/drawingml/2006/main" xmlns:r="http://schemas.openxmlformats.org/officeDocument/2006/relationships" xmlns:p="http://schemas.openxmlformats.org/presentationml/2006/main">
   <p:cSld>
@@ -2558,7 +206,7 @@
           <a:p>
             <a:fld id="{543CCAFD-8FAB-484C-825A-931B58ED44DA}" type="datetimeFigureOut">
               <a:rPr lang="pt-PT" smtClean="0"/>
-              <a:t>22-07-2015</a:t>
+              <a:t>17-12-2015</a:t>
             </a:fld>
             <a:endParaRPr lang="pt-PT"/>
           </a:p>
@@ -2974,9 +622,48 @@
           <a:p>
             <a:r>
               <a:rPr lang="pt-PT" dirty="0" smtClean="0"/>
-              <a:t>Exemplo de outra vista com a configuração da conta do utilizador.</a:t>
-            </a:r>
-            <a:endParaRPr lang="pt-PT" dirty="0"/>
+              <a:t>Aqui é mostrada a aplicação com as suas funcionalidades,</a:t>
+            </a:r>
+            <a:r>
+              <a:rPr lang="pt-PT" baseline="0" dirty="0" smtClean="0"/>
+              <a:t> principalmente:</a:t>
+            </a:r>
+          </a:p>
+          <a:p>
+            <a:r>
+              <a:rPr lang="pt-PT" baseline="0" dirty="0" smtClean="0"/>
+              <a:t>	- Repetição e distribuição de boleias</a:t>
+            </a:r>
+          </a:p>
+          <a:p>
+            <a:r>
+              <a:rPr lang="pt-PT" baseline="0" dirty="0" smtClean="0"/>
+              <a:t>	- Inserção, alteração e eliminação de boleias.</a:t>
+            </a:r>
+          </a:p>
+          <a:p>
+            <a:r>
+              <a:rPr lang="pt-PT" baseline="0" dirty="0" smtClean="0"/>
+              <a:t>	- Entrar e sair de boleias.</a:t>
+            </a:r>
+          </a:p>
+          <a:p>
+            <a:r>
+              <a:rPr lang="pt-PT" baseline="0" dirty="0" smtClean="0"/>
+              <a:t>	- Estatíticas </a:t>
+            </a:r>
+          </a:p>
+          <a:p>
+            <a:r>
+              <a:rPr lang="pt-PT" baseline="0" dirty="0" smtClean="0"/>
+              <a:t>	- Página de administração</a:t>
+            </a:r>
+          </a:p>
+          <a:p>
+            <a:r>
+              <a:rPr lang="pt-PT" baseline="0" dirty="0" smtClean="0"/>
+              <a:t>	- Responsividade</a:t>
+            </a:r>
           </a:p>
         </p:txBody>
       </p:sp>
@@ -3006,7 +693,7 @@
     </p:spTree>
     <p:extLst>
       <p:ext uri="{BB962C8B-B14F-4D97-AF65-F5344CB8AC3E}">
-        <p14:creationId xmlns:p14="http://schemas.microsoft.com/office/powerpoint/2010/main" val="3093676288"/>
+        <p14:creationId xmlns:p14="http://schemas.microsoft.com/office/powerpoint/2010/main" val="3201705250"/>
       </p:ext>
     </p:extLst>
   </p:cSld>
@@ -3062,26 +749,30 @@
           <a:p>
             <a:r>
               <a:rPr lang="pt-PT" dirty="0" smtClean="0"/>
-              <a:t>Até</a:t>
+              <a:t>Utilizando o PageSpeeds Insight, consegui uma avaliação da aplicação por terceiros.</a:t>
+            </a:r>
+          </a:p>
+          <a:p>
+            <a:r>
+              <a:rPr lang="pt-PT" dirty="0" smtClean="0"/>
+              <a:t>Para telemóvel, foi detetado</a:t>
             </a:r>
             <a:r>
               <a:rPr lang="pt-PT" baseline="0" dirty="0" smtClean="0"/>
-              <a:t> este momento, já foi feito o contexto... </a:t>
+              <a:t> um erro que não foi resolvido devido à sua baixa prioridade. </a:t>
             </a:r>
           </a:p>
           <a:p>
             <a:r>
               <a:rPr lang="pt-PT" baseline="0" dirty="0" smtClean="0"/>
-              <a:t>O desenvolvimento e a avaliação da aplicação ainda não estão completas</a:t>
+              <a:t>Foram alertados alguns pontos que não são essenciais para a funcionalidade do website como a utilização da cache e a redução do CSS e HTML.</a:t>
             </a:r>
           </a:p>
           <a:p>
             <a:r>
               <a:rPr lang="pt-PT" baseline="0" dirty="0" smtClean="0"/>
-              <a:t>E o desenvolvimento do relatório está a avançar ao longo do tempo</a:t>
-            </a:r>
-          </a:p>
-          <a:p>
+              <a:t>No entanto, foram aprovadas certas regras de bom funcionamento do website como prioritização do conteúdo visível, redução do javascript e redução do tempo de resposta ao servidor.</a:t>
+            </a:r>
             <a:endParaRPr lang="pt-PT" dirty="0"/>
           </a:p>
         </p:txBody>
@@ -3112,7 +803,339 @@
     </p:spTree>
     <p:extLst>
       <p:ext uri="{BB962C8B-B14F-4D97-AF65-F5344CB8AC3E}">
-        <p14:creationId xmlns:p14="http://schemas.microsoft.com/office/powerpoint/2010/main" val="291132027"/>
+        <p14:creationId xmlns:p14="http://schemas.microsoft.com/office/powerpoint/2010/main" val="1437266005"/>
+      </p:ext>
+    </p:extLst>
+  </p:cSld>
+  <p:clrMapOvr>
+    <a:masterClrMapping/>
+  </p:clrMapOvr>
+</p:notes>
+</file>
+
+<file path=ppt/notesSlides/notesSlide12.xml><?xml version="1.0" encoding="utf-8"?>
+<p:notes xmlns:a="http://schemas.openxmlformats.org/drawingml/2006/main" xmlns:r="http://schemas.openxmlformats.org/officeDocument/2006/relationships" xmlns:p="http://schemas.openxmlformats.org/presentationml/2006/main">
+  <p:cSld>
+    <p:spTree>
+      <p:nvGrpSpPr>
+        <p:cNvPr id="1" name=""/>
+        <p:cNvGrpSpPr/>
+        <p:nvPr/>
+      </p:nvGrpSpPr>
+      <p:grpSpPr>
+        <a:xfrm>
+          <a:off x="0" y="0"/>
+          <a:ext cx="0" cy="0"/>
+          <a:chOff x="0" y="0"/>
+          <a:chExt cx="0" cy="0"/>
+        </a:xfrm>
+      </p:grpSpPr>
+      <p:sp>
+        <p:nvSpPr>
+          <p:cNvPr id="2" name="Slide Image Placeholder 1"/>
+          <p:cNvSpPr>
+            <a:spLocks noGrp="1" noRot="1" noChangeAspect="1"/>
+          </p:cNvSpPr>
+          <p:nvPr>
+            <p:ph type="sldImg"/>
+          </p:nvPr>
+        </p:nvSpPr>
+        <p:spPr/>
+      </p:sp>
+      <p:sp>
+        <p:nvSpPr>
+          <p:cNvPr id="3" name="Notes Placeholder 2"/>
+          <p:cNvSpPr>
+            <a:spLocks noGrp="1"/>
+          </p:cNvSpPr>
+          <p:nvPr>
+            <p:ph type="body" idx="1"/>
+          </p:nvPr>
+        </p:nvSpPr>
+        <p:spPr/>
+        <p:txBody>
+          <a:bodyPr/>
+          <a:lstStyle/>
+          <a:p>
+            <a:r>
+              <a:rPr lang="pt-PT" baseline="0" dirty="0" smtClean="0"/>
+              <a:t>Não foram encontrados problemas na experiência do utilizador para telemóvel. </a:t>
+            </a:r>
+          </a:p>
+          <a:p>
+            <a:r>
+              <a:rPr lang="pt-PT" baseline="0" dirty="0" smtClean="0"/>
+              <a:t>Dos testes destacam-se: dimensionamento do conteúdo em função da janela atual, dimensionamento de elemento táteis e a não-utilização de plug-ins.</a:t>
+            </a:r>
+          </a:p>
+        </p:txBody>
+      </p:sp>
+      <p:sp>
+        <p:nvSpPr>
+          <p:cNvPr id="4" name="Slide Number Placeholder 3"/>
+          <p:cNvSpPr>
+            <a:spLocks noGrp="1"/>
+          </p:cNvSpPr>
+          <p:nvPr>
+            <p:ph type="sldNum" sz="quarter" idx="10"/>
+          </p:nvPr>
+        </p:nvSpPr>
+        <p:spPr/>
+        <p:txBody>
+          <a:bodyPr/>
+          <a:lstStyle/>
+          <a:p>
+            <a:fld id="{793BC846-2849-4D63-8651-E73DAEAC9483}" type="slidenum">
+              <a:rPr lang="pt-PT" smtClean="0"/>
+              <a:t>12</a:t>
+            </a:fld>
+            <a:endParaRPr lang="pt-PT"/>
+          </a:p>
+        </p:txBody>
+      </p:sp>
+    </p:spTree>
+    <p:extLst>
+      <p:ext uri="{BB962C8B-B14F-4D97-AF65-F5344CB8AC3E}">
+        <p14:creationId xmlns:p14="http://schemas.microsoft.com/office/powerpoint/2010/main" val="3310758454"/>
+      </p:ext>
+    </p:extLst>
+  </p:cSld>
+  <p:clrMapOvr>
+    <a:masterClrMapping/>
+  </p:clrMapOvr>
+</p:notes>
+</file>
+
+<file path=ppt/notesSlides/notesSlide13.xml><?xml version="1.0" encoding="utf-8"?>
+<p:notes xmlns:a="http://schemas.openxmlformats.org/drawingml/2006/main" xmlns:r="http://schemas.openxmlformats.org/officeDocument/2006/relationships" xmlns:p="http://schemas.openxmlformats.org/presentationml/2006/main">
+  <p:cSld>
+    <p:spTree>
+      <p:nvGrpSpPr>
+        <p:cNvPr id="1" name=""/>
+        <p:cNvGrpSpPr/>
+        <p:nvPr/>
+      </p:nvGrpSpPr>
+      <p:grpSpPr>
+        <a:xfrm>
+          <a:off x="0" y="0"/>
+          <a:ext cx="0" cy="0"/>
+          <a:chOff x="0" y="0"/>
+          <a:chExt cx="0" cy="0"/>
+        </a:xfrm>
+      </p:grpSpPr>
+      <p:sp>
+        <p:nvSpPr>
+          <p:cNvPr id="2" name="Slide Image Placeholder 1"/>
+          <p:cNvSpPr>
+            <a:spLocks noGrp="1" noRot="1" noChangeAspect="1"/>
+          </p:cNvSpPr>
+          <p:nvPr>
+            <p:ph type="sldImg"/>
+          </p:nvPr>
+        </p:nvSpPr>
+        <p:spPr/>
+      </p:sp>
+      <p:sp>
+        <p:nvSpPr>
+          <p:cNvPr id="3" name="Notes Placeholder 2"/>
+          <p:cNvSpPr>
+            <a:spLocks noGrp="1"/>
+          </p:cNvSpPr>
+          <p:nvPr>
+            <p:ph type="body" idx="1"/>
+          </p:nvPr>
+        </p:nvSpPr>
+        <p:spPr/>
+        <p:txBody>
+          <a:bodyPr/>
+          <a:lstStyle/>
+          <a:p>
+            <a:r>
+              <a:rPr lang="pt-PT" dirty="0" smtClean="0"/>
+              <a:t>A avaliação para PC teve resultados parecidos.</a:t>
+            </a:r>
+            <a:r>
+              <a:rPr lang="pt-PT" baseline="0" dirty="0" smtClean="0"/>
+              <a:t> Também alertou da redução do CSS, HTML e utilização da cache.</a:t>
+            </a:r>
+          </a:p>
+          <a:p>
+            <a:r>
+              <a:rPr lang="pt-PT" baseline="0" smtClean="0"/>
+              <a:t>Tal como para o telemóvel, também aprovou a prioritização de conteúdo visível, redução do javascript e redução do tempo de resposta ao servidor.</a:t>
+            </a:r>
+            <a:endParaRPr lang="pt-PT"/>
+          </a:p>
+        </p:txBody>
+      </p:sp>
+      <p:sp>
+        <p:nvSpPr>
+          <p:cNvPr id="4" name="Slide Number Placeholder 3"/>
+          <p:cNvSpPr>
+            <a:spLocks noGrp="1"/>
+          </p:cNvSpPr>
+          <p:nvPr>
+            <p:ph type="sldNum" sz="quarter" idx="10"/>
+          </p:nvPr>
+        </p:nvSpPr>
+        <p:spPr/>
+        <p:txBody>
+          <a:bodyPr/>
+          <a:lstStyle/>
+          <a:p>
+            <a:fld id="{793BC846-2849-4D63-8651-E73DAEAC9483}" type="slidenum">
+              <a:rPr lang="pt-PT" smtClean="0"/>
+              <a:t>13</a:t>
+            </a:fld>
+            <a:endParaRPr lang="pt-PT"/>
+          </a:p>
+        </p:txBody>
+      </p:sp>
+    </p:spTree>
+    <p:extLst>
+      <p:ext uri="{BB962C8B-B14F-4D97-AF65-F5344CB8AC3E}">
+        <p14:creationId xmlns:p14="http://schemas.microsoft.com/office/powerpoint/2010/main" val="3127632411"/>
+      </p:ext>
+    </p:extLst>
+  </p:cSld>
+  <p:clrMapOvr>
+    <a:masterClrMapping/>
+  </p:clrMapOvr>
+</p:notes>
+</file>
+
+<file path=ppt/notesSlides/notesSlide14.xml><?xml version="1.0" encoding="utf-8"?>
+<p:notes xmlns:a="http://schemas.openxmlformats.org/drawingml/2006/main" xmlns:r="http://schemas.openxmlformats.org/officeDocument/2006/relationships" xmlns:p="http://schemas.openxmlformats.org/presentationml/2006/main">
+  <p:cSld>
+    <p:spTree>
+      <p:nvGrpSpPr>
+        <p:cNvPr id="1" name=""/>
+        <p:cNvGrpSpPr/>
+        <p:nvPr/>
+      </p:nvGrpSpPr>
+      <p:grpSpPr>
+        <a:xfrm>
+          <a:off x="0" y="0"/>
+          <a:ext cx="0" cy="0"/>
+          <a:chOff x="0" y="0"/>
+          <a:chExt cx="0" cy="0"/>
+        </a:xfrm>
+      </p:grpSpPr>
+      <p:sp>
+        <p:nvSpPr>
+          <p:cNvPr id="2" name="Slide Image Placeholder 1"/>
+          <p:cNvSpPr>
+            <a:spLocks noGrp="1" noRot="1" noChangeAspect="1"/>
+          </p:cNvSpPr>
+          <p:nvPr>
+            <p:ph type="sldImg"/>
+          </p:nvPr>
+        </p:nvSpPr>
+        <p:spPr/>
+      </p:sp>
+      <p:sp>
+        <p:nvSpPr>
+          <p:cNvPr id="3" name="Notes Placeholder 2"/>
+          <p:cNvSpPr>
+            <a:spLocks noGrp="1"/>
+          </p:cNvSpPr>
+          <p:nvPr>
+            <p:ph type="body" idx="1"/>
+          </p:nvPr>
+        </p:nvSpPr>
+        <p:spPr/>
+        <p:txBody>
+          <a:bodyPr/>
+          <a:lstStyle/>
+          <a:p>
+            <a:r>
+              <a:rPr lang="pt-PT" dirty="0" smtClean="0"/>
+              <a:t>O projeto era muito ambicioso, nomeadamente</a:t>
+            </a:r>
+            <a:r>
+              <a:rPr lang="pt-PT" baseline="0" dirty="0" smtClean="0"/>
+              <a:t> </a:t>
+            </a:r>
+            <a:r>
+              <a:rPr lang="pt-PT" sz="1200" kern="1200" dirty="0" smtClean="0">
+                <a:solidFill>
+                  <a:schemeClr val="tx1"/>
+                </a:solidFill>
+                <a:effectLst/>
+                <a:latin typeface="+mn-lt"/>
+                <a:ea typeface="+mn-ea"/>
+                <a:cs typeface="+mn-cs"/>
+              </a:rPr>
+              <a:t>no que diz respeito à interação com o utilizador, que não utiliza controlos padrão.</a:t>
+            </a:r>
+            <a:r>
+              <a:rPr lang="pt-PT" sz="1200" kern="1200" baseline="0" dirty="0" smtClean="0">
+                <a:solidFill>
+                  <a:schemeClr val="tx1"/>
+                </a:solidFill>
+                <a:effectLst/>
+                <a:latin typeface="+mn-lt"/>
+                <a:ea typeface="+mn-ea"/>
+                <a:cs typeface="+mn-cs"/>
+              </a:rPr>
+              <a:t> Foi consumido muito tempo a implementar corretamente novas interações para o utilizador, nomeadamente a visualização das boleias em formato calendário. Devido a isto, foram cumpridos os objetivos com maior prioridade. </a:t>
+            </a:r>
+          </a:p>
+          <a:p>
+            <a:endParaRPr lang="pt-PT" sz="1200" kern="1200" baseline="0" dirty="0" smtClean="0">
+              <a:solidFill>
+                <a:schemeClr val="tx1"/>
+              </a:solidFill>
+              <a:effectLst/>
+              <a:latin typeface="+mn-lt"/>
+              <a:ea typeface="+mn-ea"/>
+              <a:cs typeface="+mn-cs"/>
+            </a:endParaRPr>
+          </a:p>
+          <a:p>
+            <a:r>
+              <a:rPr lang="pt-PT" sz="1200" kern="1200" baseline="0" dirty="0" smtClean="0">
+                <a:solidFill>
+                  <a:schemeClr val="tx1"/>
+                </a:solidFill>
+                <a:effectLst/>
+                <a:latin typeface="+mn-lt"/>
+                <a:ea typeface="+mn-ea"/>
+                <a:cs typeface="+mn-cs"/>
+              </a:rPr>
+              <a:t>Para trabalho futuro, prevê-se a conclusão dos objetivos em falta e a expansão da aplicação para um mercado global. Com algumas alterações, conseguimos adaptar a aplicação para um meio familiar, onde a aplicação gere e organiza eventos, tal como determinar quem leva as crianças.</a:t>
+            </a:r>
+            <a:endParaRPr lang="pt-PT" dirty="0"/>
+          </a:p>
+        </p:txBody>
+      </p:sp>
+      <p:sp>
+        <p:nvSpPr>
+          <p:cNvPr id="4" name="Slide Number Placeholder 3"/>
+          <p:cNvSpPr>
+            <a:spLocks noGrp="1"/>
+          </p:cNvSpPr>
+          <p:nvPr>
+            <p:ph type="sldNum" sz="quarter" idx="10"/>
+          </p:nvPr>
+        </p:nvSpPr>
+        <p:spPr/>
+        <p:txBody>
+          <a:bodyPr/>
+          <a:lstStyle/>
+          <a:p>
+            <a:fld id="{793BC846-2849-4D63-8651-E73DAEAC9483}" type="slidenum">
+              <a:rPr lang="pt-PT" smtClean="0"/>
+              <a:t>14</a:t>
+            </a:fld>
+            <a:endParaRPr lang="pt-PT"/>
+          </a:p>
+        </p:txBody>
+      </p:sp>
+    </p:spTree>
+    <p:extLst>
+      <p:ext uri="{BB962C8B-B14F-4D97-AF65-F5344CB8AC3E}">
+        <p14:creationId xmlns:p14="http://schemas.microsoft.com/office/powerpoint/2010/main" val="1618690142"/>
       </p:ext>
     </p:extLst>
   </p:cSld>
@@ -3288,13 +1311,13 @@
           <a:p>
             <a:r>
               <a:rPr lang="pt-PT" baseline="0" dirty="0" smtClean="0"/>
-              <a:t>-Existirá um único mapa de boleias partilhado pelo grupo inteiro </a:t>
+              <a:t>-Existirá um único mapa de boleias partilhado pelo grupo inteiro. Este mapa é a representação gráfica das boleias em estilo de calendário. </a:t>
             </a:r>
           </a:p>
           <a:p>
             <a:r>
               <a:rPr lang="pt-PT" baseline="0" dirty="0" smtClean="0"/>
-              <a:t>-Não haverá pagamentos com dinheiro</a:t>
+              <a:t>-Não haverá pagamentos monetários, as boleias são pagas com outras boleias</a:t>
             </a:r>
           </a:p>
           <a:p>
@@ -3306,7 +1329,7 @@
           <a:p>
             <a:r>
               <a:rPr lang="pt-PT" baseline="0" dirty="0" smtClean="0"/>
-              <a:t>-Vai ter a opção de escolher o condutor automaticamente consoante as boleias contabilizadas de cada passageiro</a:t>
+              <a:t>-Vai ter a opção de escolher o condutor automaticamente consoante as boleias contabilizadas de cada utilizador</a:t>
             </a:r>
           </a:p>
           <a:p>
@@ -3316,7 +1339,7 @@
             </a:r>
             <a:r>
               <a:rPr lang="pt-PT" baseline="0" dirty="0" smtClean="0"/>
-              <a:t> podem ser avisados através do email e uma boleia foi alterada</a:t>
+              <a:t> podem ser avisados através do email se uma boleia foi alterada</a:t>
             </a:r>
           </a:p>
           <a:p>
@@ -3414,21 +1437,13 @@
             </a:r>
             <a:r>
               <a:rPr lang="pt-PT" baseline="0" dirty="0" smtClean="0"/>
-              <a:t> várias aplicações web no mercado dedicadas à partilha de boleias. Eu escolhi estas três </a:t>
-            </a:r>
+              <a:t> várias aplicações web no mercado dedicadas à partilha de boleias. Eu escolhi estas três para pesquisa de informação e ideias para o projeto. Especificamente, são o blablacar, boleia. net e o pendura.pt.</a:t>
+            </a:r>
+          </a:p>
+          <a:p>
             <a:r>
               <a:rPr lang="pt-PT" baseline="0" dirty="0" smtClean="0"/>
-              <a:t>para </a:t>
-            </a:r>
-            <a:r>
-              <a:rPr lang="pt-PT" baseline="0" dirty="0" smtClean="0"/>
-              <a:t>pesquisa de informação e ideias para o projeto. Especificamente, são o blablacar, boleia. net e o pendura.pt.</a:t>
-            </a:r>
-          </a:p>
-          <a:p>
-            <a:r>
-              <a:rPr lang="pt-PT" baseline="0" dirty="0" smtClean="0"/>
-              <a:t>-Estas aplicações são muito parecidas, no ponto em que o condutor coloca ofertas na aplicação para serem respondidas pelos interessados.</a:t>
+              <a:t>-Estas aplicações são muito parecidas entre si. Em cada uma, o condutor coloca ofertas na aplicação para serem respondidas pelos interessados.</a:t>
             </a:r>
           </a:p>
           <a:p>
@@ -3446,7 +1461,7 @@
           <a:p>
             <a:r>
               <a:rPr lang="pt-PT" baseline="0" dirty="0" smtClean="0"/>
-              <a:t>-Existem pagamentos monetário em todas estas aplicações</a:t>
+              <a:t>-Existem pagamentos monetários em todas estas aplicações</a:t>
             </a:r>
           </a:p>
         </p:txBody>
@@ -3537,7 +1552,7 @@
             </a:r>
             <a:r>
               <a:rPr lang="pt-PT" baseline="0" dirty="0" smtClean="0"/>
-              <a:t> aplicações não se adequam aos objetivo mencionados anteriormente, tendo somente estatísticas e notificações.</a:t>
+              <a:t> aplicações não se adequam aos objetivos mencionados anteriormente, tendo somente estatísticas e notificações.</a:t>
             </a:r>
           </a:p>
           <a:p>
@@ -3635,13 +1650,17 @@
             </a:r>
             <a:r>
               <a:rPr lang="pt-PT" baseline="0" dirty="0" smtClean="0"/>
-              <a:t> à minha experiência e de modo a obter maior interatividade na aplicação, escolhi php,javascript e o html5 para desenvolver a aplicação. </a:t>
-            </a:r>
-          </a:p>
-          <a:p>
+              <a:t> </a:t>
+            </a:r>
             <a:r>
               <a:rPr lang="pt-PT" baseline="0" dirty="0" smtClean="0"/>
-              <a:t>Vou utilizador o template de css bootstrap para tornar o site responsivo de forma eficaz</a:t>
+              <a:t>à minha experiência e de modo a obter maior interatividade na aplicação,escolhi php, javascript e o html5 para desenvolver a aplicação. </a:t>
+            </a:r>
+          </a:p>
+          <a:p>
+            <a:r>
+              <a:rPr lang="pt-PT" baseline="0" dirty="0" smtClean="0"/>
+              <a:t>Vou utilizar o template de css bootstrap para tornar o site responsivo </a:t>
             </a:r>
           </a:p>
           <a:p>
@@ -3826,11 +1845,35 @@
           <a:p>
             <a:r>
               <a:rPr lang="pt-PT" dirty="0" smtClean="0"/>
-              <a:t>Este foi o modelo ER</a:t>
+              <a:t>Este foi o modelo EER</a:t>
             </a:r>
             <a:r>
               <a:rPr lang="pt-PT" baseline="0" dirty="0" smtClean="0"/>
-              <a:t> desenvolvido. Neste modelo Er, podemos ter mais atenção na recursividade da tabela das boleias que será usada para a repetição, onde o boleias repetidas ficam com o ID da boleia pai</a:t>
+              <a:t> desenvolvido. </a:t>
+            </a:r>
+          </a:p>
+          <a:p>
+            <a:r>
+              <a:rPr lang="pt-PT" baseline="0" dirty="0" smtClean="0"/>
+              <a:t>A aplicação centraliza-se nas tabelas de utilizadores, boleias e passageiros. Com estas tabelas, determinamos os atributos e relações entre os utilizadores</a:t>
+            </a:r>
+          </a:p>
+          <a:p>
+            <a:r>
+              <a:rPr lang="pt-PT" baseline="0" dirty="0" smtClean="0"/>
+              <a:t> e os registos de boleias. Existe uma tabela para guardar as estatísticas mensais de cada utilizador e uma tabela para guardar as alterações. </a:t>
+            </a:r>
+          </a:p>
+          <a:p>
+            <a:r>
+              <a:rPr lang="pt-PT" baseline="0" dirty="0" smtClean="0"/>
+              <a:t>A tabela das configurações é utilizada para guardar as preferências de boleias dos utilizadores para a opção de escolha automática do condutor.</a:t>
+            </a:r>
+          </a:p>
+          <a:p>
+            <a:r>
+              <a:rPr lang="pt-PT" baseline="0" dirty="0" smtClean="0"/>
+              <a:t>É de notar a recursividade da tabela das boleias que será usada para a repetição de boleias, onde as boleias repetidas ficam com o ID da boleia pai.</a:t>
             </a:r>
             <a:endParaRPr lang="pt-PT" dirty="0"/>
           </a:p>
@@ -3918,13 +1961,24 @@
           <a:p>
             <a:r>
               <a:rPr lang="pt-PT" dirty="0" smtClean="0"/>
-              <a:t>Esta</a:t>
+              <a:t>Este</a:t>
             </a:r>
             <a:r>
               <a:rPr lang="pt-PT" baseline="0" dirty="0" smtClean="0"/>
-              <a:t> imagem de um protótipo desenvolvida com um exemplo do mapa de boleias, com a presentação do menu de alteração das boleias.</a:t>
-            </a:r>
-            <a:endParaRPr lang="pt-PT" dirty="0"/>
+              <a:t> é o diagrama de hiararquia que indica os ecrans da aplicação.</a:t>
+            </a:r>
+          </a:p>
+          <a:p>
+            <a:r>
+              <a:rPr lang="pt-PT" baseline="0" dirty="0" smtClean="0"/>
+              <a:t>A aplicação mostra inicialmente o ecran da homepage dá acesso ao ecran de login ao utilizador. Para aceder ao resto dos ecrans,o utilizador precisa de efetuar login.</a:t>
+            </a:r>
+          </a:p>
+          <a:p>
+            <a:r>
+              <a:rPr lang="pt-PT" baseline="0" dirty="0" smtClean="0"/>
+              <a:t>Só o administrador tem acesso à página de administração.</a:t>
+            </a:r>
           </a:p>
         </p:txBody>
       </p:sp>
@@ -4158,7 +2212,7 @@
           <a:p>
             <a:fld id="{76AB45F6-6687-4A3D-8EDA-586738FF3632}" type="datetime1">
               <a:rPr lang="pt-PT" smtClean="0"/>
-              <a:t>22-07-2015</a:t>
+              <a:t>17-12-2015</a:t>
             </a:fld>
             <a:endParaRPr lang="pt-PT"/>
           </a:p>
@@ -4515,7 +2569,7 @@
           <a:p>
             <a:fld id="{9FDAD198-7E4F-46EF-87CA-DFEDD77CF0B9}" type="datetime1">
               <a:rPr lang="pt-PT" smtClean="0"/>
-              <a:t>22-07-2015</a:t>
+              <a:t>17-12-2015</a:t>
             </a:fld>
             <a:endParaRPr lang="pt-PT"/>
           </a:p>
@@ -4694,7 +2748,7 @@
           <a:p>
             <a:fld id="{F6D88E78-6F9D-4706-9FB0-E83A1675F7A2}" type="datetime1">
               <a:rPr lang="pt-PT" smtClean="0"/>
-              <a:t>22-07-2015</a:t>
+              <a:t>17-12-2015</a:t>
             </a:fld>
             <a:endParaRPr lang="pt-PT"/>
           </a:p>
@@ -4811,7 +2865,7 @@
           <a:p>
             <a:fld id="{127101DD-C1DC-43FB-B7EE-9D54BABF192F}" type="datetime1">
               <a:rPr lang="pt-PT" smtClean="0"/>
-              <a:t>22-07-2015</a:t>
+              <a:t>17-12-2015</a:t>
             </a:fld>
             <a:endParaRPr lang="pt-PT"/>
           </a:p>
@@ -5173,7 +3227,7 @@
           <a:p>
             <a:fld id="{A177A1DD-0A85-4AF0-93C2-65E69DB92720}" type="datetime1">
               <a:rPr lang="pt-PT" smtClean="0"/>
-              <a:t>22-07-2015</a:t>
+              <a:t>17-12-2015</a:t>
             </a:fld>
             <a:endParaRPr lang="pt-PT"/>
           </a:p>
@@ -5442,7 +3496,7 @@
           <a:p>
             <a:fld id="{9E5F2360-7A1E-446D-81A9-FE6904BFF94B}" type="datetime1">
               <a:rPr lang="pt-PT" smtClean="0"/>
-              <a:t>22-07-2015</a:t>
+              <a:t>17-12-2015</a:t>
             </a:fld>
             <a:endParaRPr lang="pt-PT"/>
           </a:p>
@@ -5808,7 +3862,7 @@
           <a:p>
             <a:fld id="{B36DA81D-0EE4-42E4-A4D6-C455B4D27E87}" type="datetime1">
               <a:rPr lang="pt-PT" smtClean="0"/>
-              <a:t>22-07-2015</a:t>
+              <a:t>17-12-2015</a:t>
             </a:fld>
             <a:endParaRPr lang="pt-PT"/>
           </a:p>
@@ -6039,7 +4093,7 @@
           <a:p>
             <a:fld id="{691A4863-52BE-4A90-A9FB-0C87D3A0CCEC}" type="datetime1">
               <a:rPr lang="pt-PT" smtClean="0"/>
-              <a:t>22-07-2015</a:t>
+              <a:t>17-12-2015</a:t>
             </a:fld>
             <a:endParaRPr lang="pt-PT"/>
           </a:p>
@@ -6133,7 +4187,7 @@
           <a:p>
             <a:fld id="{AB8BD628-56F5-4682-A672-A13B85123891}" type="datetime1">
               <a:rPr lang="pt-PT" smtClean="0"/>
-              <a:t>22-07-2015</a:t>
+              <a:t>17-12-2015</a:t>
             </a:fld>
             <a:endParaRPr lang="pt-PT"/>
           </a:p>
@@ -6404,7 +4458,7 @@
           <a:p>
             <a:fld id="{5CA5AE8A-D4CB-4C24-9D3D-06D78037B983}" type="datetime1">
               <a:rPr lang="pt-PT" smtClean="0"/>
-              <a:t>22-07-2015</a:t>
+              <a:t>17-12-2015</a:t>
             </a:fld>
             <a:endParaRPr lang="pt-PT"/>
           </a:p>
@@ -6636,7 +4690,7 @@
           <a:p>
             <a:fld id="{B4BED4A1-F6B6-4C33-B259-9A24A7E126DF}" type="datetime1">
               <a:rPr lang="pt-PT" smtClean="0"/>
-              <a:t>22-07-2015</a:t>
+              <a:t>17-12-2015</a:t>
             </a:fld>
             <a:endParaRPr lang="pt-PT"/>
           </a:p>
@@ -7139,7 +5193,7 @@
           <a:p>
             <a:fld id="{7385AB50-078B-4877-A844-868A9629F33A}" type="datetime1">
               <a:rPr lang="pt-PT" smtClean="0"/>
-              <a:t>22-07-2015</a:t>
+              <a:t>17-12-2015</a:t>
             </a:fld>
             <a:endParaRPr lang="pt-PT"/>
           </a:p>
@@ -7572,15 +5626,7 @@
           <a:p>
             <a:r>
               <a:rPr lang="pt-PT" dirty="0" smtClean="0"/>
-              <a:t>Nome</a:t>
-            </a:r>
-            <a:r>
-              <a:rPr lang="pt-PT" dirty="0" smtClean="0"/>
-              <a:t>: Vasco </a:t>
-            </a:r>
-            <a:r>
-              <a:rPr lang="pt-PT" dirty="0" smtClean="0"/>
-              <a:t>Fortuna</a:t>
+              <a:t>Nome: Vasco Fortuna</a:t>
             </a:r>
           </a:p>
           <a:p>
@@ -7604,7 +5650,15 @@
           <a:p>
             <a:r>
               <a:rPr lang="pt-PT" dirty="0" smtClean="0"/>
-              <a:t>Data: 22/07/2015</a:t>
+              <a:t>Data: </a:t>
+            </a:r>
+            <a:r>
+              <a:rPr lang="pt-PT" dirty="0" smtClean="0"/>
+              <a:t>18</a:t>
+            </a:r>
+            <a:r>
+              <a:rPr lang="pt-PT" dirty="0" smtClean="0"/>
+              <a:t>/12/2015</a:t>
             </a:r>
             <a:endParaRPr lang="pt-PT" dirty="0"/>
           </a:p>
@@ -7627,7 +5681,7 @@
           <a:p>
             <a:r>
               <a:rPr lang="pt-PT" dirty="0" smtClean="0"/>
-              <a:t>Car Pooling</a:t>
+              <a:t>CarPooling</a:t>
             </a:r>
             <a:endParaRPr lang="pt-PT" dirty="0"/>
           </a:p>
@@ -7795,7 +5849,7 @@
           <a:p>
             <a:r>
               <a:rPr lang="pt-PT" dirty="0" smtClean="0"/>
-              <a:t>Desenvolvimento da aplicação</a:t>
+              <a:t>Demonstração da aplicação</a:t>
             </a:r>
             <a:endParaRPr lang="pt-PT" dirty="0"/>
           </a:p>
@@ -7826,7 +5880,7 @@
       </p:sp>
       <p:sp>
         <p:nvSpPr>
-          <p:cNvPr id="5" name="Slide Number Placeholder 4"/>
+          <p:cNvPr id="4" name="Slide Number Placeholder 3"/>
           <p:cNvSpPr>
             <a:spLocks noGrp="1"/>
           </p:cNvSpPr>
@@ -7847,39 +5901,29 @@
           </a:p>
         </p:txBody>
       </p:sp>
-      <p:pic>
-        <p:nvPicPr>
-          <p:cNvPr id="9" name="Content Placeholder 8"/>
-          <p:cNvPicPr>
-            <a:picLocks noGrp="1" noChangeAspect="1"/>
-          </p:cNvPicPr>
+      <p:sp>
+        <p:nvSpPr>
+          <p:cNvPr id="5" name="Content Placeholder 4"/>
+          <p:cNvSpPr>
+            <a:spLocks noGrp="1"/>
+          </p:cNvSpPr>
           <p:nvPr>
             <p:ph sz="quarter" idx="1"/>
           </p:nvPr>
-        </p:nvPicPr>
-        <p:blipFill>
-          <a:blip r:embed="rId3">
-            <a:extLst>
-              <a:ext uri="{28A0092B-C50C-407E-A947-70E740481C1C}">
-                <a14:useLocalDpi xmlns:a14="http://schemas.microsoft.com/office/drawing/2010/main" val="0"/>
-              </a:ext>
-            </a:extLst>
-          </a:blip>
-          <a:stretch>
-            <a:fillRect/>
-          </a:stretch>
-        </p:blipFill>
-        <p:spPr>
-          <a:xfrm>
-            <a:off x="72123" y="1556792"/>
-            <a:ext cx="8969855" cy="3600400"/>
-          </a:xfrm>
-        </p:spPr>
-      </p:pic>
+        </p:nvSpPr>
+        <p:spPr/>
+        <p:txBody>
+          <a:bodyPr/>
+          <a:lstStyle/>
+          <a:p>
+            <a:endParaRPr lang="pt-PT" dirty="0"/>
+          </a:p>
+        </p:txBody>
+      </p:sp>
     </p:spTree>
     <p:extLst>
       <p:ext uri="{BB962C8B-B14F-4D97-AF65-F5344CB8AC3E}">
-        <p14:creationId xmlns:p14="http://schemas.microsoft.com/office/powerpoint/2010/main" val="2919749876"/>
+        <p14:creationId xmlns:p14="http://schemas.microsoft.com/office/powerpoint/2010/main" val="4267222613"/>
       </p:ext>
     </p:extLst>
   </p:cSld>
@@ -7925,21 +5969,20 @@
         </p:nvSpPr>
         <p:spPr/>
         <p:txBody>
-          <a:bodyPr>
-            <a:normAutofit fontScale="90000"/>
-          </a:bodyPr>
-          <a:lstStyle/>
-          <a:p>
-            <a:r>
-              <a:rPr lang="pt-PT" dirty="0"/>
-              <a:t>Estruturação e organização do projecto</a:t>
-            </a:r>
-          </a:p>
-        </p:txBody>
-      </p:sp>
-      <p:sp>
-        <p:nvSpPr>
-          <p:cNvPr id="5" name="Footer Placeholder 4"/>
+          <a:bodyPr/>
+          <a:lstStyle/>
+          <a:p>
+            <a:r>
+              <a:rPr lang="pt-PT" dirty="0" smtClean="0"/>
+              <a:t>Avaliação da aplicação</a:t>
+            </a:r>
+            <a:endParaRPr lang="pt-PT" dirty="0"/>
+          </a:p>
+        </p:txBody>
+      </p:sp>
+      <p:sp>
+        <p:nvSpPr>
+          <p:cNvPr id="3" name="Footer Placeholder 2"/>
           <p:cNvSpPr>
             <a:spLocks noGrp="1"/>
           </p:cNvSpPr>
@@ -7962,7 +6005,7 @@
       </p:sp>
       <p:sp>
         <p:nvSpPr>
-          <p:cNvPr id="6" name="Slide Number Placeholder 5"/>
+          <p:cNvPr id="4" name="Slide Number Placeholder 3"/>
           <p:cNvSpPr>
             <a:spLocks noGrp="1"/>
           </p:cNvSpPr>
@@ -7983,170 +6026,39 @@
           </a:p>
         </p:txBody>
       </p:sp>
-      <p:sp>
-        <p:nvSpPr>
-          <p:cNvPr id="3" name="Content Placeholder 2"/>
-          <p:cNvSpPr>
-            <a:spLocks noGrp="1"/>
-          </p:cNvSpPr>
+      <p:pic>
+        <p:nvPicPr>
+          <p:cNvPr id="6" name="Content Placeholder 5"/>
+          <p:cNvPicPr>
+            <a:picLocks noGrp="1" noChangeAspect="1"/>
+          </p:cNvPicPr>
           <p:nvPr>
             <p:ph sz="quarter" idx="1"/>
           </p:nvPr>
-        </p:nvSpPr>
-        <p:spPr/>
-        <p:txBody>
-          <a:bodyPr>
-            <a:normAutofit fontScale="92500" lnSpcReduction="10000"/>
-          </a:bodyPr>
-          <a:lstStyle/>
-          <a:p>
-            <a:r>
-              <a:rPr lang="pt-PT" dirty="0">
-                <a:solidFill>
-                  <a:srgbClr val="00B050"/>
-                </a:solidFill>
-              </a:rPr>
-              <a:t>C</a:t>
-            </a:r>
-            <a:r>
-              <a:rPr lang="pt-PT" dirty="0" smtClean="0">
-                <a:solidFill>
-                  <a:srgbClr val="00B050"/>
-                </a:solidFill>
-              </a:rPr>
-              <a:t>ontexto </a:t>
-            </a:r>
-            <a:r>
-              <a:rPr lang="pt-PT" dirty="0">
-                <a:solidFill>
-                  <a:srgbClr val="00B050"/>
-                </a:solidFill>
-              </a:rPr>
-              <a:t>e </a:t>
-            </a:r>
-            <a:r>
-              <a:rPr lang="pt-PT" dirty="0" smtClean="0">
-                <a:solidFill>
-                  <a:srgbClr val="00B050"/>
-                </a:solidFill>
-              </a:rPr>
-              <a:t>objetivos do projeto</a:t>
-            </a:r>
-          </a:p>
-          <a:p>
-            <a:endParaRPr lang="pt-PT" dirty="0">
-              <a:solidFill>
-                <a:srgbClr val="00B050"/>
-              </a:solidFill>
-            </a:endParaRPr>
-          </a:p>
-          <a:p>
-            <a:r>
-              <a:rPr lang="pt-PT" dirty="0" smtClean="0">
-                <a:solidFill>
-                  <a:srgbClr val="00B050"/>
-                </a:solidFill>
-              </a:rPr>
-              <a:t>Estado da arte</a:t>
-            </a:r>
-          </a:p>
-          <a:p>
-            <a:endParaRPr lang="pt-PT" dirty="0" smtClean="0">
-              <a:solidFill>
-                <a:srgbClr val="00B050"/>
-              </a:solidFill>
-            </a:endParaRPr>
-          </a:p>
-          <a:p>
-            <a:r>
-              <a:rPr lang="pt-PT" dirty="0" smtClean="0">
-                <a:solidFill>
-                  <a:srgbClr val="00B050"/>
-                </a:solidFill>
-              </a:rPr>
-              <a:t>Ferramentas e metodologia a utilizar </a:t>
-            </a:r>
-          </a:p>
-          <a:p>
-            <a:endParaRPr lang="pt-PT" dirty="0" smtClean="0">
-              <a:solidFill>
-                <a:srgbClr val="00B050"/>
-              </a:solidFill>
-            </a:endParaRPr>
-          </a:p>
-          <a:p>
-            <a:r>
-              <a:rPr lang="pt-PT" dirty="0" smtClean="0">
-                <a:solidFill>
-                  <a:srgbClr val="00B050"/>
-                </a:solidFill>
-              </a:rPr>
-              <a:t>Análise (UML)</a:t>
-            </a:r>
-          </a:p>
-          <a:p>
-            <a:endParaRPr lang="pt-PT" dirty="0"/>
-          </a:p>
-          <a:p>
-            <a:r>
-              <a:rPr lang="pt-PT" dirty="0" smtClean="0">
-                <a:solidFill>
-                  <a:srgbClr val="FF0000"/>
-                </a:solidFill>
-              </a:rPr>
-              <a:t>Desenvolvimento da aplicação</a:t>
-            </a:r>
-          </a:p>
-          <a:p>
-            <a:endParaRPr lang="pt-PT" dirty="0">
-              <a:solidFill>
-                <a:srgbClr val="FF0000"/>
-              </a:solidFill>
-            </a:endParaRPr>
-          </a:p>
-          <a:p>
-            <a:r>
-              <a:rPr lang="pt-PT" dirty="0" smtClean="0">
-                <a:solidFill>
-                  <a:srgbClr val="FF0000"/>
-                </a:solidFill>
-              </a:rPr>
-              <a:t>Avaliação da aplicação</a:t>
-            </a:r>
-            <a:endParaRPr lang="pt-PT" dirty="0">
-              <a:solidFill>
-                <a:srgbClr val="FF0000"/>
-              </a:solidFill>
-            </a:endParaRPr>
-          </a:p>
-        </p:txBody>
-      </p:sp>
-      <p:graphicFrame>
-        <p:nvGraphicFramePr>
-          <p:cNvPr id="8" name="Diagram 7"/>
-          <p:cNvGraphicFramePr/>
-          <p:nvPr>
-            <p:extLst>
-              <p:ext uri="{D42A27DB-BD31-4B8C-83A1-F6EECF244321}">
-                <p14:modId xmlns:p14="http://schemas.microsoft.com/office/powerpoint/2010/main" val="3326183915"/>
-              </p:ext>
-            </p:extLst>
-          </p:nvPr>
-        </p:nvGraphicFramePr>
-        <p:xfrm>
-          <a:off x="4716016" y="2780928"/>
-          <a:ext cx="4608512" cy="2191792"/>
-        </p:xfrm>
-        <a:graphic>
-          <a:graphicData uri="http://schemas.openxmlformats.org/drawingml/2006/diagram">
-            <dgm:relIds xmlns:dgm="http://schemas.openxmlformats.org/drawingml/2006/diagram" xmlns:r="http://schemas.openxmlformats.org/officeDocument/2006/relationships" r:dm="rId3" r:lo="rId4" r:qs="rId5" r:cs="rId6"/>
-          </a:graphicData>
-        </a:graphic>
-      </p:graphicFrame>
+        </p:nvPicPr>
+        <p:blipFill>
+          <a:blip r:embed="rId3">
+            <a:extLst>
+              <a:ext uri="{28A0092B-C50C-407E-A947-70E740481C1C}">
+                <a14:useLocalDpi xmlns:a14="http://schemas.microsoft.com/office/drawing/2010/main" val="0"/>
+              </a:ext>
+            </a:extLst>
+          </a:blip>
+          <a:stretch>
+            <a:fillRect/>
+          </a:stretch>
+        </p:blipFill>
+        <p:spPr>
+          <a:xfrm>
+            <a:off x="2705622" y="1447800"/>
+            <a:ext cx="4189956" cy="4572000"/>
+          </a:xfrm>
+        </p:spPr>
+      </p:pic>
     </p:spTree>
     <p:extLst>
       <p:ext uri="{BB962C8B-B14F-4D97-AF65-F5344CB8AC3E}">
-        <p14:creationId xmlns:p14="http://schemas.microsoft.com/office/powerpoint/2010/main" val="2452565054"/>
+        <p14:creationId xmlns:p14="http://schemas.microsoft.com/office/powerpoint/2010/main" val="1970714589"/>
       </p:ext>
     </p:extLst>
   </p:cSld>
@@ -8197,7 +6109,7 @@
           <a:p>
             <a:r>
               <a:rPr lang="pt-PT" dirty="0" smtClean="0"/>
-              <a:t>Questões?</a:t>
+              <a:t>Avaliação da aplicação</a:t>
             </a:r>
             <a:endParaRPr lang="pt-PT" dirty="0"/>
           </a:p>
@@ -8205,7 +6117,7 @@
       </p:sp>
       <p:sp>
         <p:nvSpPr>
-          <p:cNvPr id="4" name="Footer Placeholder 3"/>
+          <p:cNvPr id="3" name="Footer Placeholder 2"/>
           <p:cNvSpPr>
             <a:spLocks noGrp="1"/>
           </p:cNvSpPr>
@@ -8228,7 +6140,7 @@
       </p:sp>
       <p:sp>
         <p:nvSpPr>
-          <p:cNvPr id="5" name="Slide Number Placeholder 4"/>
+          <p:cNvPr id="4" name="Slide Number Placeholder 3"/>
           <p:cNvSpPr>
             <a:spLocks noGrp="1"/>
           </p:cNvSpPr>
@@ -8244,6 +6156,469 @@
             <a:fld id="{FED80EB5-EC74-48F1-AD00-040A0762F998}" type="slidenum">
               <a:rPr lang="pt-PT" smtClean="0"/>
               <a:t>12</a:t>
+            </a:fld>
+            <a:endParaRPr lang="pt-PT"/>
+          </a:p>
+        </p:txBody>
+      </p:sp>
+      <p:pic>
+        <p:nvPicPr>
+          <p:cNvPr id="6" name="Content Placeholder 5"/>
+          <p:cNvPicPr>
+            <a:picLocks noGrp="1" noChangeAspect="1"/>
+          </p:cNvPicPr>
+          <p:nvPr>
+            <p:ph sz="quarter" idx="1"/>
+          </p:nvPr>
+        </p:nvPicPr>
+        <p:blipFill>
+          <a:blip r:embed="rId3">
+            <a:extLst>
+              <a:ext uri="{28A0092B-C50C-407E-A947-70E740481C1C}">
+                <a14:useLocalDpi xmlns:a14="http://schemas.microsoft.com/office/drawing/2010/main" val="0"/>
+              </a:ext>
+            </a:extLst>
+          </a:blip>
+          <a:stretch>
+            <a:fillRect/>
+          </a:stretch>
+        </p:blipFill>
+        <p:spPr>
+          <a:xfrm>
+            <a:off x="1646548" y="1447800"/>
+            <a:ext cx="6308103" cy="4572000"/>
+          </a:xfrm>
+        </p:spPr>
+      </p:pic>
+    </p:spTree>
+    <p:extLst>
+      <p:ext uri="{BB962C8B-B14F-4D97-AF65-F5344CB8AC3E}">
+        <p14:creationId xmlns:p14="http://schemas.microsoft.com/office/powerpoint/2010/main" val="3115655977"/>
+      </p:ext>
+    </p:extLst>
+  </p:cSld>
+  <p:clrMapOvr>
+    <a:masterClrMapping/>
+  </p:clrMapOvr>
+  <p:timing>
+    <p:tnLst>
+      <p:par>
+        <p:cTn id="1" dur="indefinite" restart="never" nodeType="tmRoot"/>
+      </p:par>
+    </p:tnLst>
+  </p:timing>
+</p:sld>
+</file>
+
+<file path=ppt/slides/slide13.xml><?xml version="1.0" encoding="utf-8"?>
+<p:sld xmlns:a="http://schemas.openxmlformats.org/drawingml/2006/main" xmlns:r="http://schemas.openxmlformats.org/officeDocument/2006/relationships" xmlns:p="http://schemas.openxmlformats.org/presentationml/2006/main">
+  <p:cSld>
+    <p:spTree>
+      <p:nvGrpSpPr>
+        <p:cNvPr id="1" name=""/>
+        <p:cNvGrpSpPr/>
+        <p:nvPr/>
+      </p:nvGrpSpPr>
+      <p:grpSpPr>
+        <a:xfrm>
+          <a:off x="0" y="0"/>
+          <a:ext cx="0" cy="0"/>
+          <a:chOff x="0" y="0"/>
+          <a:chExt cx="0" cy="0"/>
+        </a:xfrm>
+      </p:grpSpPr>
+      <p:sp>
+        <p:nvSpPr>
+          <p:cNvPr id="2" name="Title 1"/>
+          <p:cNvSpPr>
+            <a:spLocks noGrp="1"/>
+          </p:cNvSpPr>
+          <p:nvPr>
+            <p:ph type="title"/>
+          </p:nvPr>
+        </p:nvSpPr>
+        <p:spPr/>
+        <p:txBody>
+          <a:bodyPr/>
+          <a:lstStyle/>
+          <a:p>
+            <a:r>
+              <a:rPr lang="pt-PT" dirty="0" smtClean="0"/>
+              <a:t>Avaliação da aplicação</a:t>
+            </a:r>
+            <a:endParaRPr lang="pt-PT" dirty="0"/>
+          </a:p>
+        </p:txBody>
+      </p:sp>
+      <p:sp>
+        <p:nvSpPr>
+          <p:cNvPr id="3" name="Footer Placeholder 2"/>
+          <p:cNvSpPr>
+            <a:spLocks noGrp="1"/>
+          </p:cNvSpPr>
+          <p:nvPr>
+            <p:ph type="ftr" sz="quarter" idx="11"/>
+          </p:nvPr>
+        </p:nvSpPr>
+        <p:spPr/>
+        <p:txBody>
+          <a:bodyPr/>
+          <a:lstStyle/>
+          <a:p>
+            <a:r>
+              <a:rPr lang="pt-PT" smtClean="0"/>
+              <a:t>Car pooling, Vasco Fortuna</a:t>
+            </a:r>
+            <a:endParaRPr lang="pt-PT"/>
+          </a:p>
+        </p:txBody>
+      </p:sp>
+      <p:sp>
+        <p:nvSpPr>
+          <p:cNvPr id="4" name="Slide Number Placeholder 3"/>
+          <p:cNvSpPr>
+            <a:spLocks noGrp="1"/>
+          </p:cNvSpPr>
+          <p:nvPr>
+            <p:ph type="sldNum" sz="quarter" idx="12"/>
+          </p:nvPr>
+        </p:nvSpPr>
+        <p:spPr/>
+        <p:txBody>
+          <a:bodyPr/>
+          <a:lstStyle/>
+          <a:p>
+            <a:fld id="{FED80EB5-EC74-48F1-AD00-040A0762F998}" type="slidenum">
+              <a:rPr lang="pt-PT" smtClean="0"/>
+              <a:t>13</a:t>
+            </a:fld>
+            <a:endParaRPr lang="pt-PT"/>
+          </a:p>
+        </p:txBody>
+      </p:sp>
+      <p:pic>
+        <p:nvPicPr>
+          <p:cNvPr id="6" name="Content Placeholder 5"/>
+          <p:cNvPicPr>
+            <a:picLocks noGrp="1" noChangeAspect="1"/>
+          </p:cNvPicPr>
+          <p:nvPr>
+            <p:ph sz="quarter" idx="1"/>
+          </p:nvPr>
+        </p:nvPicPr>
+        <p:blipFill>
+          <a:blip r:embed="rId3">
+            <a:extLst>
+              <a:ext uri="{28A0092B-C50C-407E-A947-70E740481C1C}">
+                <a14:useLocalDpi xmlns:a14="http://schemas.microsoft.com/office/drawing/2010/main" val="0"/>
+              </a:ext>
+            </a:extLst>
+          </a:blip>
+          <a:stretch>
+            <a:fillRect/>
+          </a:stretch>
+        </p:blipFill>
+        <p:spPr>
+          <a:xfrm>
+            <a:off x="2577731" y="1447800"/>
+            <a:ext cx="4445738" cy="4572000"/>
+          </a:xfrm>
+        </p:spPr>
+      </p:pic>
+    </p:spTree>
+    <p:extLst>
+      <p:ext uri="{BB962C8B-B14F-4D97-AF65-F5344CB8AC3E}">
+        <p14:creationId xmlns:p14="http://schemas.microsoft.com/office/powerpoint/2010/main" val="208132097"/>
+      </p:ext>
+    </p:extLst>
+  </p:cSld>
+  <p:clrMapOvr>
+    <a:masterClrMapping/>
+  </p:clrMapOvr>
+  <p:timing>
+    <p:tnLst>
+      <p:par>
+        <p:cTn id="1" dur="indefinite" restart="never" nodeType="tmRoot"/>
+      </p:par>
+    </p:tnLst>
+  </p:timing>
+</p:sld>
+</file>
+
+<file path=ppt/slides/slide14.xml><?xml version="1.0" encoding="utf-8"?>
+<p:sld xmlns:a="http://schemas.openxmlformats.org/drawingml/2006/main" xmlns:r="http://schemas.openxmlformats.org/officeDocument/2006/relationships" xmlns:p="http://schemas.openxmlformats.org/presentationml/2006/main">
+  <p:cSld>
+    <p:spTree>
+      <p:nvGrpSpPr>
+        <p:cNvPr id="1" name=""/>
+        <p:cNvGrpSpPr/>
+        <p:nvPr/>
+      </p:nvGrpSpPr>
+      <p:grpSpPr>
+        <a:xfrm>
+          <a:off x="0" y="0"/>
+          <a:ext cx="0" cy="0"/>
+          <a:chOff x="0" y="0"/>
+          <a:chExt cx="0" cy="0"/>
+        </a:xfrm>
+      </p:grpSpPr>
+      <p:sp>
+        <p:nvSpPr>
+          <p:cNvPr id="2" name="Title 1"/>
+          <p:cNvSpPr>
+            <a:spLocks noGrp="1"/>
+          </p:cNvSpPr>
+          <p:nvPr>
+            <p:ph type="title"/>
+          </p:nvPr>
+        </p:nvSpPr>
+        <p:spPr/>
+        <p:txBody>
+          <a:bodyPr/>
+          <a:lstStyle/>
+          <a:p>
+            <a:r>
+              <a:rPr lang="pt-PT" dirty="0" smtClean="0"/>
+              <a:t>Conclusão</a:t>
+            </a:r>
+            <a:endParaRPr lang="pt-PT" dirty="0"/>
+          </a:p>
+        </p:txBody>
+      </p:sp>
+      <p:sp>
+        <p:nvSpPr>
+          <p:cNvPr id="3" name="Footer Placeholder 2"/>
+          <p:cNvSpPr>
+            <a:spLocks noGrp="1"/>
+          </p:cNvSpPr>
+          <p:nvPr>
+            <p:ph type="ftr" sz="quarter" idx="11"/>
+          </p:nvPr>
+        </p:nvSpPr>
+        <p:spPr/>
+        <p:txBody>
+          <a:bodyPr/>
+          <a:lstStyle/>
+          <a:p>
+            <a:r>
+              <a:rPr lang="pt-PT" smtClean="0"/>
+              <a:t>Car pooling, Vasco Fortuna</a:t>
+            </a:r>
+            <a:endParaRPr lang="pt-PT"/>
+          </a:p>
+        </p:txBody>
+      </p:sp>
+      <p:sp>
+        <p:nvSpPr>
+          <p:cNvPr id="4" name="Slide Number Placeholder 3"/>
+          <p:cNvSpPr>
+            <a:spLocks noGrp="1"/>
+          </p:cNvSpPr>
+          <p:nvPr>
+            <p:ph type="sldNum" sz="quarter" idx="12"/>
+          </p:nvPr>
+        </p:nvSpPr>
+        <p:spPr/>
+        <p:txBody>
+          <a:bodyPr/>
+          <a:lstStyle/>
+          <a:p>
+            <a:fld id="{FED80EB5-EC74-48F1-AD00-040A0762F998}" type="slidenum">
+              <a:rPr lang="pt-PT" smtClean="0"/>
+              <a:t>14</a:t>
+            </a:fld>
+            <a:endParaRPr lang="pt-PT"/>
+          </a:p>
+        </p:txBody>
+      </p:sp>
+      <p:sp>
+        <p:nvSpPr>
+          <p:cNvPr id="5" name="Content Placeholder 4"/>
+          <p:cNvSpPr>
+            <a:spLocks noGrp="1"/>
+          </p:cNvSpPr>
+          <p:nvPr>
+            <p:ph sz="quarter" idx="1"/>
+          </p:nvPr>
+        </p:nvSpPr>
+        <p:spPr/>
+        <p:txBody>
+          <a:bodyPr/>
+          <a:lstStyle/>
+          <a:p>
+            <a:r>
+              <a:rPr lang="pt-PT" dirty="0" smtClean="0"/>
+              <a:t>Objetivos concluídos:</a:t>
+            </a:r>
+          </a:p>
+          <a:p>
+            <a:pPr lvl="1"/>
+            <a:r>
+              <a:rPr lang="pt-PT" dirty="0" smtClean="0"/>
+              <a:t>Funcionalidades essenciais.</a:t>
+            </a:r>
+            <a:endParaRPr lang="pt-PT" dirty="0" smtClean="0"/>
+          </a:p>
+          <a:p>
+            <a:pPr lvl="1"/>
+            <a:r>
+              <a:rPr lang="pt-PT" dirty="0" smtClean="0"/>
+              <a:t>Visualização gráfica dos registos das boleias.</a:t>
+            </a:r>
+          </a:p>
+          <a:p>
+            <a:pPr lvl="1"/>
+            <a:r>
+              <a:rPr lang="pt-PT" dirty="0" smtClean="0"/>
+              <a:t>Interface interativa e intuitiva.</a:t>
+            </a:r>
+          </a:p>
+          <a:p>
+            <a:endParaRPr lang="pt-PT" dirty="0" smtClean="0"/>
+          </a:p>
+          <a:p>
+            <a:r>
+              <a:rPr lang="pt-PT" dirty="0" smtClean="0"/>
+              <a:t>Trabalho futuro:</a:t>
+            </a:r>
+          </a:p>
+          <a:p>
+            <a:pPr lvl="1"/>
+            <a:r>
+              <a:rPr lang="pt-PT" dirty="0" smtClean="0"/>
+              <a:t>Conclusão dos objetivos em falta.</a:t>
+            </a:r>
+          </a:p>
+          <a:p>
+            <a:pPr lvl="1"/>
+            <a:r>
+              <a:rPr lang="pt-PT" dirty="0" smtClean="0"/>
+              <a:t>Expansão da aplicação para um mercado global</a:t>
+            </a:r>
+          </a:p>
+          <a:p>
+            <a:pPr lvl="1"/>
+            <a:r>
+              <a:rPr lang="pt-PT" dirty="0" smtClean="0"/>
+              <a:t>Adaptar a aplicação para um meio familiar</a:t>
+            </a:r>
+          </a:p>
+          <a:p>
+            <a:pPr lvl="1"/>
+            <a:endParaRPr lang="pt-PT" dirty="0" smtClean="0"/>
+          </a:p>
+          <a:p>
+            <a:endParaRPr lang="pt-PT" dirty="0"/>
+          </a:p>
+          <a:p>
+            <a:endParaRPr lang="pt-PT" dirty="0" smtClean="0"/>
+          </a:p>
+          <a:p>
+            <a:endParaRPr lang="pt-PT" dirty="0"/>
+          </a:p>
+        </p:txBody>
+      </p:sp>
+    </p:spTree>
+    <p:extLst>
+      <p:ext uri="{BB962C8B-B14F-4D97-AF65-F5344CB8AC3E}">
+        <p14:creationId xmlns:p14="http://schemas.microsoft.com/office/powerpoint/2010/main" val="215484043"/>
+      </p:ext>
+    </p:extLst>
+  </p:cSld>
+  <p:clrMapOvr>
+    <a:masterClrMapping/>
+  </p:clrMapOvr>
+  <p:timing>
+    <p:tnLst>
+      <p:par>
+        <p:cTn id="1" dur="indefinite" restart="never" nodeType="tmRoot"/>
+      </p:par>
+    </p:tnLst>
+  </p:timing>
+</p:sld>
+</file>
+
+<file path=ppt/slides/slide15.xml><?xml version="1.0" encoding="utf-8"?>
+<p:sld xmlns:a="http://schemas.openxmlformats.org/drawingml/2006/main" xmlns:r="http://schemas.openxmlformats.org/officeDocument/2006/relationships" xmlns:p="http://schemas.openxmlformats.org/presentationml/2006/main">
+  <p:cSld>
+    <p:spTree>
+      <p:nvGrpSpPr>
+        <p:cNvPr id="1" name=""/>
+        <p:cNvGrpSpPr/>
+        <p:nvPr/>
+      </p:nvGrpSpPr>
+      <p:grpSpPr>
+        <a:xfrm>
+          <a:off x="0" y="0"/>
+          <a:ext cx="0" cy="0"/>
+          <a:chOff x="0" y="0"/>
+          <a:chExt cx="0" cy="0"/>
+        </a:xfrm>
+      </p:grpSpPr>
+      <p:sp>
+        <p:nvSpPr>
+          <p:cNvPr id="2" name="Title 1"/>
+          <p:cNvSpPr>
+            <a:spLocks noGrp="1"/>
+          </p:cNvSpPr>
+          <p:nvPr>
+            <p:ph type="title"/>
+          </p:nvPr>
+        </p:nvSpPr>
+        <p:spPr/>
+        <p:txBody>
+          <a:bodyPr/>
+          <a:lstStyle/>
+          <a:p>
+            <a:r>
+              <a:rPr lang="pt-PT" dirty="0" smtClean="0"/>
+              <a:t>Questões?</a:t>
+            </a:r>
+            <a:endParaRPr lang="pt-PT" dirty="0"/>
+          </a:p>
+        </p:txBody>
+      </p:sp>
+      <p:sp>
+        <p:nvSpPr>
+          <p:cNvPr id="4" name="Footer Placeholder 3"/>
+          <p:cNvSpPr>
+            <a:spLocks noGrp="1"/>
+          </p:cNvSpPr>
+          <p:nvPr>
+            <p:ph type="ftr" sz="quarter" idx="11"/>
+          </p:nvPr>
+        </p:nvSpPr>
+        <p:spPr/>
+        <p:txBody>
+          <a:bodyPr/>
+          <a:lstStyle/>
+          <a:p>
+            <a:r>
+              <a:rPr lang="pt-PT" smtClean="0"/>
+              <a:t>Car pooling, Vasco Fortuna</a:t>
+            </a:r>
+            <a:endParaRPr lang="pt-PT"/>
+          </a:p>
+        </p:txBody>
+      </p:sp>
+      <p:sp>
+        <p:nvSpPr>
+          <p:cNvPr id="5" name="Slide Number Placeholder 4"/>
+          <p:cNvSpPr>
+            <a:spLocks noGrp="1"/>
+          </p:cNvSpPr>
+          <p:nvPr>
+            <p:ph type="sldNum" sz="quarter" idx="12"/>
+          </p:nvPr>
+        </p:nvSpPr>
+        <p:spPr/>
+        <p:txBody>
+          <a:bodyPr/>
+          <a:lstStyle/>
+          <a:p>
+            <a:fld id="{FED80EB5-EC74-48F1-AD00-040A0762F998}" type="slidenum">
+              <a:rPr lang="pt-PT" smtClean="0"/>
+              <a:t>15</a:t>
             </a:fld>
             <a:endParaRPr lang="pt-PT"/>
           </a:p>
@@ -8343,10 +6718,10 @@
           <a:lstStyle/>
           <a:p>
             <a:r>
-              <a:rPr lang="pt-PT" smtClean="0"/>
-              <a:t>Car pooling, Vasco Fortuna</a:t>
-            </a:r>
-            <a:endParaRPr lang="pt-PT"/>
+              <a:rPr lang="pt-PT" dirty="0" smtClean="0"/>
+              <a:t>CarPooling, Vasco Fortuna</a:t>
+            </a:r>
+            <a:endParaRPr lang="pt-PT" dirty="0"/>
           </a:p>
         </p:txBody>
       </p:sp>
@@ -8691,10 +7066,10 @@
           <a:lstStyle/>
           <a:p>
             <a:r>
-              <a:rPr lang="pt-PT" smtClean="0"/>
-              <a:t>Car pooling, Vasco Fortuna</a:t>
-            </a:r>
-            <a:endParaRPr lang="pt-PT"/>
+              <a:rPr lang="pt-PT" dirty="0" smtClean="0"/>
+              <a:t>CarPooling, Vasco Fortuna</a:t>
+            </a:r>
+            <a:endParaRPr lang="pt-PT" dirty="0"/>
           </a:p>
         </p:txBody>
       </p:sp>
@@ -9026,7 +7401,7 @@
         </p:blipFill>
         <p:spPr>
           <a:xfrm>
-            <a:off x="4716016" y="1628800"/>
+            <a:off x="4716016" y="1700808"/>
             <a:ext cx="4104456" cy="3074380"/>
           </a:xfrm>
           <a:prstGeom prst="rect">
@@ -9160,10 +7535,10 @@
           <a:lstStyle/>
           <a:p>
             <a:r>
-              <a:rPr lang="pt-PT" smtClean="0"/>
-              <a:t>Car pooling, Vasco Fortuna</a:t>
-            </a:r>
-            <a:endParaRPr lang="pt-PT"/>
+              <a:rPr lang="pt-PT" dirty="0" smtClean="0"/>
+              <a:t>CarPooling, Vasco Fortuna</a:t>
+            </a:r>
+            <a:endParaRPr lang="pt-PT" dirty="0"/>
           </a:p>
         </p:txBody>
       </p:sp>
@@ -9546,10 +7921,10 @@
           <a:lstStyle/>
           <a:p>
             <a:r>
-              <a:rPr lang="pt-PT" smtClean="0"/>
-              <a:t>Car pooling, Vasco Fortuna</a:t>
-            </a:r>
-            <a:endParaRPr lang="pt-PT"/>
+              <a:rPr lang="pt-PT" dirty="0" smtClean="0"/>
+              <a:t>CarPooling, Vasco Fortuna</a:t>
+            </a:r>
+            <a:endParaRPr lang="pt-PT" dirty="0"/>
           </a:p>
         </p:txBody>
       </p:sp>
@@ -9859,7 +8234,12 @@
             <p:ph type="title"/>
           </p:nvPr>
         </p:nvSpPr>
-        <p:spPr/>
+        <p:spPr>
+          <a:xfrm>
+            <a:off x="899592" y="260648"/>
+            <a:ext cx="7772400" cy="1143000"/>
+          </a:xfrm>
+        </p:spPr>
         <p:txBody>
           <a:bodyPr/>
           <a:lstStyle/>
@@ -9888,10 +8268,10 @@
           <a:lstStyle/>
           <a:p>
             <a:r>
-              <a:rPr lang="pt-PT" smtClean="0"/>
-              <a:t>Car pooling, Vasco Fortuna</a:t>
-            </a:r>
-            <a:endParaRPr lang="pt-PT"/>
+              <a:rPr lang="pt-PT" dirty="0" smtClean="0"/>
+              <a:t>CarPooling, Vasco Fortuna</a:t>
+            </a:r>
+            <a:endParaRPr lang="pt-PT" dirty="0"/>
           </a:p>
         </p:txBody>
       </p:sp>
@@ -9935,7 +8315,7 @@
           <a:p>
             <a:r>
               <a:rPr lang="pt-PT" dirty="0" smtClean="0"/>
-              <a:t>Extreme programming</a:t>
+              <a:t>Extreme programming (XP)</a:t>
             </a:r>
           </a:p>
           <a:p>
@@ -10029,7 +8409,7 @@
           <a:p>
             <a:r>
               <a:rPr lang="pt-PT" dirty="0" smtClean="0"/>
-              <a:t>Modelo ER</a:t>
+              <a:t>Modelo EER</a:t>
             </a:r>
             <a:endParaRPr lang="pt-PT" dirty="0"/>
           </a:p>
@@ -10051,10 +8431,10 @@
           <a:lstStyle/>
           <a:p>
             <a:r>
-              <a:rPr lang="pt-PT" smtClean="0"/>
-              <a:t>Car pooling, Vasco Fortuna</a:t>
-            </a:r>
-            <a:endParaRPr lang="pt-PT"/>
+              <a:rPr lang="pt-PT" dirty="0" smtClean="0"/>
+              <a:t>CarPooling, Vasco Fortuna</a:t>
+            </a:r>
+            <a:endParaRPr lang="pt-PT" dirty="0"/>
           </a:p>
         </p:txBody>
       </p:sp>
@@ -10083,7 +8463,7 @@
       </p:sp>
       <p:pic>
         <p:nvPicPr>
-          <p:cNvPr id="9" name="Content Placeholder 8"/>
+          <p:cNvPr id="6" name="Content Placeholder 5"/>
           <p:cNvPicPr>
             <a:picLocks noGrp="1" noChangeAspect="1"/>
           </p:cNvPicPr>
@@ -10105,8 +8485,8 @@
         </p:blipFill>
         <p:spPr>
           <a:xfrm>
-            <a:off x="467544" y="1340768"/>
-            <a:ext cx="8373470" cy="4896544"/>
+            <a:off x="1619672" y="1268760"/>
+            <a:ext cx="6037939" cy="5040560"/>
           </a:xfrm>
         </p:spPr>
       </p:pic>
@@ -10164,7 +8544,7 @@
           <a:p>
             <a:r>
               <a:rPr lang="pt-PT" dirty="0" smtClean="0"/>
-              <a:t>Protótipo da aplicação</a:t>
+              <a:t>Diagrama de hierarquia</a:t>
             </a:r>
             <a:endParaRPr lang="pt-PT" dirty="0"/>
           </a:p>
@@ -10186,10 +8566,10 @@
           <a:lstStyle/>
           <a:p>
             <a:r>
-              <a:rPr lang="pt-PT" smtClean="0"/>
-              <a:t>Car pooling, Vasco Fortuna</a:t>
-            </a:r>
-            <a:endParaRPr lang="pt-PT"/>
+              <a:rPr lang="pt-PT" dirty="0" smtClean="0"/>
+              <a:t>CarPooling, Vasco Fortuna</a:t>
+            </a:r>
+            <a:endParaRPr lang="pt-PT" dirty="0"/>
           </a:p>
         </p:txBody>
       </p:sp>
@@ -10218,7 +8598,7 @@
       </p:sp>
       <p:pic>
         <p:nvPicPr>
-          <p:cNvPr id="9" name="Content Placeholder 8"/>
+          <p:cNvPr id="8" name="Content Placeholder 7"/>
           <p:cNvPicPr>
             <a:picLocks noGrp="1" noChangeAspect="1"/>
           </p:cNvPicPr>
@@ -10240,8 +8620,8 @@
         </p:blipFill>
         <p:spPr>
           <a:xfrm>
-            <a:off x="251520" y="1340768"/>
-            <a:ext cx="8590646" cy="4536504"/>
+            <a:off x="914400" y="1909007"/>
+            <a:ext cx="7772400" cy="3649586"/>
           </a:xfrm>
         </p:spPr>
       </p:pic>
